--- a/machine-learning-project.pptx
+++ b/machine-learning-project.pptx
@@ -11,23 +11,29 @@
     <p:sldId id="256" r:id="rId6"/>
     <p:sldId id="257" r:id="rId7"/>
     <p:sldId id="258" r:id="rId8"/>
+    <p:sldId id="259" r:id="rId9"/>
+    <p:sldId id="260" r:id="rId10"/>
+    <p:sldId id="261" r:id="rId11"/>
+    <p:sldId id="262" r:id="rId12"/>
+    <p:sldId id="263" r:id="rId13"/>
+    <p:sldId id="264" r:id="rId14"/>
   </p:sldIdLst>
-  <p:sldSz cy="14400000" cx="9000000"/>
+  <p:sldSz cy="6858000" cx="9144000"/>
   <p:notesSz cx="6858000" cy="9144000"/>
   <p:embeddedFontLst>
     <p:embeddedFont>
       <p:font typeface="Roboto Mono SemiBold"/>
-      <p:regular r:id="rId9"/>
-      <p:bold r:id="rId10"/>
-      <p:italic r:id="rId11"/>
-      <p:boldItalic r:id="rId12"/>
+      <p:regular r:id="rId15"/>
+      <p:bold r:id="rId16"/>
+      <p:italic r:id="rId17"/>
+      <p:boldItalic r:id="rId18"/>
     </p:embeddedFont>
     <p:embeddedFont>
       <p:font typeface="Roboto Mono"/>
-      <p:regular r:id="rId13"/>
-      <p:bold r:id="rId14"/>
-      <p:italic r:id="rId15"/>
-      <p:boldItalic r:id="rId16"/>
+      <p:regular r:id="rId19"/>
+      <p:bold r:id="rId20"/>
+      <p:italic r:id="rId21"/>
+      <p:boldItalic r:id="rId22"/>
     </p:embeddedFont>
   </p:embeddedFontLst>
   <p:defaultTextStyle>
@@ -262,12 +268,12 @@
   <p:extLst>
     <p:ext uri="{EFAFB233-063F-42B5-8137-9DF3F51BA10A}">
       <p15:sldGuideLst>
-        <p15:guide id="1" orient="horz" pos="4535">
+        <p15:guide id="1" orient="horz" pos="2160">
           <p15:clr>
             <a:srgbClr val="A4A3A4"/>
           </p15:clr>
         </p15:guide>
-        <p15:guide id="2" pos="2835">
+        <p15:guide id="2" pos="2880">
           <p15:clr>
             <a:srgbClr val="A4A3A4"/>
           </p15:clr>
@@ -305,8 +311,8 @@
         </p:nvSpPr>
         <p:spPr>
           <a:xfrm>
-            <a:off x="2357747" y="685800"/>
-            <a:ext cx="2143200" cy="3429000"/>
+            <a:off x="1143267" y="685800"/>
+            <a:ext cx="4572300" cy="3429000"/>
           </a:xfrm>
           <a:custGeom>
             <a:rect b="b" l="l" r="r" t="t"/>
@@ -723,7 +729,7 @@
       </p:grpSpPr>
       <p:sp>
         <p:nvSpPr>
-          <p:cNvPr id="51" name="Google Shape;51;g1318b01a8b6_0_26:notes"/>
+          <p:cNvPr id="51" name="Google Shape;51;g132b7d94a98_1_0:notes"/>
           <p:cNvSpPr/>
           <p:nvPr>
             <p:ph idx="2" type="sldImg"/>
@@ -731,8 +737,8 @@
         </p:nvSpPr>
         <p:spPr>
           <a:xfrm>
-            <a:off x="2357747" y="685800"/>
-            <a:ext cx="2143200" cy="3429000"/>
+            <a:off x="1143267" y="685800"/>
+            <a:ext cx="4572300" cy="3429000"/>
           </a:xfrm>
           <a:custGeom>
             <a:rect b="b" l="l" r="r" t="t"/>
@@ -758,7 +764,7 @@
       </p:sp>
       <p:sp>
         <p:nvSpPr>
-          <p:cNvPr id="52" name="Google Shape;52;g1318b01a8b6_0_26:notes"/>
+          <p:cNvPr id="52" name="Google Shape;52;g132b7d94a98_1_0:notes"/>
           <p:cNvSpPr txBox="1"/>
           <p:nvPr>
             <p:ph idx="1" type="body"/>
@@ -822,7 +828,7 @@
       </p:grpSpPr>
       <p:sp>
         <p:nvSpPr>
-          <p:cNvPr id="59" name="Google Shape;59;g1318b01a8b6_0_13:notes"/>
+          <p:cNvPr id="59" name="Google Shape;59;g1318b01a8b6_0_26:notes"/>
           <p:cNvSpPr/>
           <p:nvPr>
             <p:ph idx="2" type="sldImg"/>
@@ -830,8 +836,8 @@
         </p:nvSpPr>
         <p:spPr>
           <a:xfrm>
-            <a:off x="2357747" y="685800"/>
-            <a:ext cx="2143200" cy="3429000"/>
+            <a:off x="1143267" y="685800"/>
+            <a:ext cx="4572300" cy="3429000"/>
           </a:xfrm>
           <a:custGeom>
             <a:rect b="b" l="l" r="r" t="t"/>
@@ -857,7 +863,7 @@
       </p:sp>
       <p:sp>
         <p:nvSpPr>
-          <p:cNvPr id="60" name="Google Shape;60;g1318b01a8b6_0_13:notes"/>
+          <p:cNvPr id="60" name="Google Shape;60;g1318b01a8b6_0_26:notes"/>
           <p:cNvSpPr txBox="1"/>
           <p:nvPr>
             <p:ph idx="1" type="body"/>
@@ -921,7 +927,7 @@
       </p:grpSpPr>
       <p:sp>
         <p:nvSpPr>
-          <p:cNvPr id="67" name="Google Shape;67;p:notes"/>
+          <p:cNvPr id="67" name="Google Shape;67;g132b7d94a98_1_7:notes"/>
           <p:cNvSpPr/>
           <p:nvPr>
             <p:ph idx="2" type="sldImg"/>
@@ -929,8 +935,8 @@
         </p:nvSpPr>
         <p:spPr>
           <a:xfrm>
-            <a:off x="2357747" y="685800"/>
-            <a:ext cx="2143200" cy="3429000"/>
+            <a:off x="1143267" y="685800"/>
+            <a:ext cx="4572300" cy="3429000"/>
           </a:xfrm>
           <a:custGeom>
             <a:rect b="b" l="l" r="r" t="t"/>
@@ -956,7 +962,601 @@
       </p:sp>
       <p:sp>
         <p:nvSpPr>
-          <p:cNvPr id="68" name="Google Shape;68;p:notes"/>
+          <p:cNvPr id="68" name="Google Shape;68;g132b7d94a98_1_7:notes"/>
+          <p:cNvSpPr txBox="1"/>
+          <p:nvPr>
+            <p:ph idx="1" type="body"/>
+          </p:nvPr>
+        </p:nvSpPr>
+        <p:spPr>
+          <a:xfrm>
+            <a:off x="685800" y="4343400"/>
+            <a:ext cx="5486400" cy="4114800"/>
+          </a:xfrm>
+          <a:prstGeom prst="rect">
+            <a:avLst/>
+          </a:prstGeom>
+        </p:spPr>
+        <p:txBody>
+          <a:bodyPr anchorCtr="0" anchor="t" bIns="91425" lIns="91425" spcFirstLastPara="1" rIns="91425" wrap="square" tIns="91425">
+            <a:noAutofit/>
+          </a:bodyPr>
+          <a:lstStyle/>
+          <a:p>
+            <a:pPr indent="0" lvl="0" marL="0" rtl="0" algn="l">
+              <a:spcBef>
+                <a:spcPts val="0"/>
+              </a:spcBef>
+              <a:spcAft>
+                <a:spcPts val="0"/>
+              </a:spcAft>
+              <a:buNone/>
+            </a:pPr>
+            <a:r>
+              <a:t/>
+            </a:r>
+            <a:endParaRPr/>
+          </a:p>
+        </p:txBody>
+      </p:sp>
+    </p:spTree>
+  </p:cSld>
+  <p:clrMapOvr>
+    <a:masterClrMapping/>
+  </p:clrMapOvr>
+</p:notes>
+</file>
+
+<file path=ppt/notesSlides/notesSlide4.xml><?xml version="1.0" encoding="utf-8"?>
+<p:notes xmlns:a="http://schemas.openxmlformats.org/drawingml/2006/main" xmlns:r="http://schemas.openxmlformats.org/officeDocument/2006/relationships" xmlns:mc="http://schemas.openxmlformats.org/markup-compatibility/2006" xmlns:mv="urn:schemas-microsoft-com:mac:vml" xmlns:p="http://schemas.openxmlformats.org/presentationml/2006/main" xmlns:c="http://schemas.openxmlformats.org/drawingml/2006/chart" xmlns:dgm="http://schemas.openxmlformats.org/drawingml/2006/diagram" xmlns:o="urn:schemas-microsoft-com:office:office" xmlns:v="urn:schemas-microsoft-com:vml" xmlns:pvml="urn:schemas-microsoft-com:office:powerpoint" xmlns:com="http://schemas.openxmlformats.org/drawingml/2006/compatibility" xmlns:p14="http://schemas.microsoft.com/office/powerpoint/2010/main" xmlns:p15="http://schemas.microsoft.com/office/powerpoint/2012/main" xmlns:ahyp="http://schemas.microsoft.com/office/drawing/2018/hyperlinkcolor" showMasterPhAnim="0" showMasterSp="0">
+  <p:cSld>
+    <p:spTree>
+      <p:nvGrpSpPr>
+        <p:cNvPr id="74" name="Shape 74"/>
+        <p:cNvGrpSpPr/>
+        <p:nvPr/>
+      </p:nvGrpSpPr>
+      <p:grpSpPr>
+        <a:xfrm>
+          <a:off x="0" y="0"/>
+          <a:ext cx="0" cy="0"/>
+          <a:chOff x="0" y="0"/>
+          <a:chExt cx="0" cy="0"/>
+        </a:xfrm>
+      </p:grpSpPr>
+      <p:sp>
+        <p:nvSpPr>
+          <p:cNvPr id="75" name="Google Shape;75;g132f26af5fb_1_26:notes"/>
+          <p:cNvSpPr/>
+          <p:nvPr>
+            <p:ph idx="2" type="sldImg"/>
+          </p:nvPr>
+        </p:nvSpPr>
+        <p:spPr>
+          <a:xfrm>
+            <a:off x="1143267" y="685800"/>
+            <a:ext cx="4572300" cy="3429000"/>
+          </a:xfrm>
+          <a:custGeom>
+            <a:rect b="b" l="l" r="r" t="t"/>
+            <a:pathLst>
+              <a:path extrusionOk="0" h="120000" w="120000">
+                <a:moveTo>
+                  <a:pt x="0" y="0"/>
+                </a:moveTo>
+                <a:lnTo>
+                  <a:pt x="120000" y="0"/>
+                </a:lnTo>
+                <a:lnTo>
+                  <a:pt x="120000" y="120000"/>
+                </a:lnTo>
+                <a:lnTo>
+                  <a:pt x="0" y="120000"/>
+                </a:lnTo>
+                <a:close/>
+              </a:path>
+            </a:pathLst>
+          </a:custGeom>
+        </p:spPr>
+      </p:sp>
+      <p:sp>
+        <p:nvSpPr>
+          <p:cNvPr id="76" name="Google Shape;76;g132f26af5fb_1_26:notes"/>
+          <p:cNvSpPr txBox="1"/>
+          <p:nvPr>
+            <p:ph idx="1" type="body"/>
+          </p:nvPr>
+        </p:nvSpPr>
+        <p:spPr>
+          <a:xfrm>
+            <a:off x="685800" y="4343400"/>
+            <a:ext cx="5486400" cy="4114800"/>
+          </a:xfrm>
+          <a:prstGeom prst="rect">
+            <a:avLst/>
+          </a:prstGeom>
+        </p:spPr>
+        <p:txBody>
+          <a:bodyPr anchorCtr="0" anchor="t" bIns="91425" lIns="91425" spcFirstLastPara="1" rIns="91425" wrap="square" tIns="91425">
+            <a:noAutofit/>
+          </a:bodyPr>
+          <a:lstStyle/>
+          <a:p>
+            <a:pPr indent="0" lvl="0" marL="0" rtl="0" algn="l">
+              <a:spcBef>
+                <a:spcPts val="0"/>
+              </a:spcBef>
+              <a:spcAft>
+                <a:spcPts val="0"/>
+              </a:spcAft>
+              <a:buNone/>
+            </a:pPr>
+            <a:r>
+              <a:t/>
+            </a:r>
+            <a:endParaRPr/>
+          </a:p>
+        </p:txBody>
+      </p:sp>
+    </p:spTree>
+  </p:cSld>
+  <p:clrMapOvr>
+    <a:masterClrMapping/>
+  </p:clrMapOvr>
+</p:notes>
+</file>
+
+<file path=ppt/notesSlides/notesSlide5.xml><?xml version="1.0" encoding="utf-8"?>
+<p:notes xmlns:a="http://schemas.openxmlformats.org/drawingml/2006/main" xmlns:r="http://schemas.openxmlformats.org/officeDocument/2006/relationships" xmlns:mc="http://schemas.openxmlformats.org/markup-compatibility/2006" xmlns:mv="urn:schemas-microsoft-com:mac:vml" xmlns:p="http://schemas.openxmlformats.org/presentationml/2006/main" xmlns:c="http://schemas.openxmlformats.org/drawingml/2006/chart" xmlns:dgm="http://schemas.openxmlformats.org/drawingml/2006/diagram" xmlns:o="urn:schemas-microsoft-com:office:office" xmlns:v="urn:schemas-microsoft-com:vml" xmlns:pvml="urn:schemas-microsoft-com:office:powerpoint" xmlns:com="http://schemas.openxmlformats.org/drawingml/2006/compatibility" xmlns:p14="http://schemas.microsoft.com/office/powerpoint/2010/main" xmlns:p15="http://schemas.microsoft.com/office/powerpoint/2012/main" xmlns:ahyp="http://schemas.microsoft.com/office/drawing/2018/hyperlinkcolor" showMasterPhAnim="0" showMasterSp="0">
+  <p:cSld>
+    <p:spTree>
+      <p:nvGrpSpPr>
+        <p:cNvPr id="84" name="Shape 84"/>
+        <p:cNvGrpSpPr/>
+        <p:nvPr/>
+      </p:nvGrpSpPr>
+      <p:grpSpPr>
+        <a:xfrm>
+          <a:off x="0" y="0"/>
+          <a:ext cx="0" cy="0"/>
+          <a:chOff x="0" y="0"/>
+          <a:chExt cx="0" cy="0"/>
+        </a:xfrm>
+      </p:grpSpPr>
+      <p:sp>
+        <p:nvSpPr>
+          <p:cNvPr id="85" name="Google Shape;85;g132b7d94a98_1_14:notes"/>
+          <p:cNvSpPr/>
+          <p:nvPr>
+            <p:ph idx="2" type="sldImg"/>
+          </p:nvPr>
+        </p:nvSpPr>
+        <p:spPr>
+          <a:xfrm>
+            <a:off x="1143267" y="685800"/>
+            <a:ext cx="4572300" cy="3429000"/>
+          </a:xfrm>
+          <a:custGeom>
+            <a:rect b="b" l="l" r="r" t="t"/>
+            <a:pathLst>
+              <a:path extrusionOk="0" h="120000" w="120000">
+                <a:moveTo>
+                  <a:pt x="0" y="0"/>
+                </a:moveTo>
+                <a:lnTo>
+                  <a:pt x="120000" y="0"/>
+                </a:lnTo>
+                <a:lnTo>
+                  <a:pt x="120000" y="120000"/>
+                </a:lnTo>
+                <a:lnTo>
+                  <a:pt x="0" y="120000"/>
+                </a:lnTo>
+                <a:close/>
+              </a:path>
+            </a:pathLst>
+          </a:custGeom>
+        </p:spPr>
+      </p:sp>
+      <p:sp>
+        <p:nvSpPr>
+          <p:cNvPr id="86" name="Google Shape;86;g132b7d94a98_1_14:notes"/>
+          <p:cNvSpPr txBox="1"/>
+          <p:nvPr>
+            <p:ph idx="1" type="body"/>
+          </p:nvPr>
+        </p:nvSpPr>
+        <p:spPr>
+          <a:xfrm>
+            <a:off x="685800" y="4343400"/>
+            <a:ext cx="5486400" cy="4114800"/>
+          </a:xfrm>
+          <a:prstGeom prst="rect">
+            <a:avLst/>
+          </a:prstGeom>
+        </p:spPr>
+        <p:txBody>
+          <a:bodyPr anchorCtr="0" anchor="t" bIns="91425" lIns="91425" spcFirstLastPara="1" rIns="91425" wrap="square" tIns="91425">
+            <a:noAutofit/>
+          </a:bodyPr>
+          <a:lstStyle/>
+          <a:p>
+            <a:pPr indent="0" lvl="0" marL="0" rtl="0" algn="l">
+              <a:spcBef>
+                <a:spcPts val="0"/>
+              </a:spcBef>
+              <a:spcAft>
+                <a:spcPts val="0"/>
+              </a:spcAft>
+              <a:buNone/>
+            </a:pPr>
+            <a:r>
+              <a:t/>
+            </a:r>
+            <a:endParaRPr/>
+          </a:p>
+        </p:txBody>
+      </p:sp>
+    </p:spTree>
+  </p:cSld>
+  <p:clrMapOvr>
+    <a:masterClrMapping/>
+  </p:clrMapOvr>
+</p:notes>
+</file>
+
+<file path=ppt/notesSlides/notesSlide6.xml><?xml version="1.0" encoding="utf-8"?>
+<p:notes xmlns:a="http://schemas.openxmlformats.org/drawingml/2006/main" xmlns:r="http://schemas.openxmlformats.org/officeDocument/2006/relationships" xmlns:mc="http://schemas.openxmlformats.org/markup-compatibility/2006" xmlns:mv="urn:schemas-microsoft-com:mac:vml" xmlns:p="http://schemas.openxmlformats.org/presentationml/2006/main" xmlns:c="http://schemas.openxmlformats.org/drawingml/2006/chart" xmlns:dgm="http://schemas.openxmlformats.org/drawingml/2006/diagram" xmlns:o="urn:schemas-microsoft-com:office:office" xmlns:v="urn:schemas-microsoft-com:vml" xmlns:pvml="urn:schemas-microsoft-com:office:powerpoint" xmlns:com="http://schemas.openxmlformats.org/drawingml/2006/compatibility" xmlns:p14="http://schemas.microsoft.com/office/powerpoint/2010/main" xmlns:p15="http://schemas.microsoft.com/office/powerpoint/2012/main" xmlns:ahyp="http://schemas.microsoft.com/office/drawing/2018/hyperlinkcolor" showMasterPhAnim="0" showMasterSp="0">
+  <p:cSld>
+    <p:spTree>
+      <p:nvGrpSpPr>
+        <p:cNvPr id="92" name="Shape 92"/>
+        <p:cNvGrpSpPr/>
+        <p:nvPr/>
+      </p:nvGrpSpPr>
+      <p:grpSpPr>
+        <a:xfrm>
+          <a:off x="0" y="0"/>
+          <a:ext cx="0" cy="0"/>
+          <a:chOff x="0" y="0"/>
+          <a:chExt cx="0" cy="0"/>
+        </a:xfrm>
+      </p:grpSpPr>
+      <p:sp>
+        <p:nvSpPr>
+          <p:cNvPr id="93" name="Google Shape;93;g132b7d94a98_1_21:notes"/>
+          <p:cNvSpPr/>
+          <p:nvPr>
+            <p:ph idx="2" type="sldImg"/>
+          </p:nvPr>
+        </p:nvSpPr>
+        <p:spPr>
+          <a:xfrm>
+            <a:off x="1143267" y="685800"/>
+            <a:ext cx="4572300" cy="3429000"/>
+          </a:xfrm>
+          <a:custGeom>
+            <a:rect b="b" l="l" r="r" t="t"/>
+            <a:pathLst>
+              <a:path extrusionOk="0" h="120000" w="120000">
+                <a:moveTo>
+                  <a:pt x="0" y="0"/>
+                </a:moveTo>
+                <a:lnTo>
+                  <a:pt x="120000" y="0"/>
+                </a:lnTo>
+                <a:lnTo>
+                  <a:pt x="120000" y="120000"/>
+                </a:lnTo>
+                <a:lnTo>
+                  <a:pt x="0" y="120000"/>
+                </a:lnTo>
+                <a:close/>
+              </a:path>
+            </a:pathLst>
+          </a:custGeom>
+        </p:spPr>
+      </p:sp>
+      <p:sp>
+        <p:nvSpPr>
+          <p:cNvPr id="94" name="Google Shape;94;g132b7d94a98_1_21:notes"/>
+          <p:cNvSpPr txBox="1"/>
+          <p:nvPr>
+            <p:ph idx="1" type="body"/>
+          </p:nvPr>
+        </p:nvSpPr>
+        <p:spPr>
+          <a:xfrm>
+            <a:off x="685800" y="4343400"/>
+            <a:ext cx="5486400" cy="4114800"/>
+          </a:xfrm>
+          <a:prstGeom prst="rect">
+            <a:avLst/>
+          </a:prstGeom>
+        </p:spPr>
+        <p:txBody>
+          <a:bodyPr anchorCtr="0" anchor="t" bIns="91425" lIns="91425" spcFirstLastPara="1" rIns="91425" wrap="square" tIns="91425">
+            <a:noAutofit/>
+          </a:bodyPr>
+          <a:lstStyle/>
+          <a:p>
+            <a:pPr indent="0" lvl="0" marL="0" rtl="0" algn="l">
+              <a:spcBef>
+                <a:spcPts val="0"/>
+              </a:spcBef>
+              <a:spcAft>
+                <a:spcPts val="0"/>
+              </a:spcAft>
+              <a:buNone/>
+            </a:pPr>
+            <a:r>
+              <a:t/>
+            </a:r>
+            <a:endParaRPr/>
+          </a:p>
+        </p:txBody>
+      </p:sp>
+    </p:spTree>
+  </p:cSld>
+  <p:clrMapOvr>
+    <a:masterClrMapping/>
+  </p:clrMapOvr>
+</p:notes>
+</file>
+
+<file path=ppt/notesSlides/notesSlide7.xml><?xml version="1.0" encoding="utf-8"?>
+<p:notes xmlns:a="http://schemas.openxmlformats.org/drawingml/2006/main" xmlns:r="http://schemas.openxmlformats.org/officeDocument/2006/relationships" xmlns:mc="http://schemas.openxmlformats.org/markup-compatibility/2006" xmlns:mv="urn:schemas-microsoft-com:mac:vml" xmlns:p="http://schemas.openxmlformats.org/presentationml/2006/main" xmlns:c="http://schemas.openxmlformats.org/drawingml/2006/chart" xmlns:dgm="http://schemas.openxmlformats.org/drawingml/2006/diagram" xmlns:o="urn:schemas-microsoft-com:office:office" xmlns:v="urn:schemas-microsoft-com:vml" xmlns:pvml="urn:schemas-microsoft-com:office:powerpoint" xmlns:com="http://schemas.openxmlformats.org/drawingml/2006/compatibility" xmlns:p14="http://schemas.microsoft.com/office/powerpoint/2010/main" xmlns:p15="http://schemas.microsoft.com/office/powerpoint/2012/main" xmlns:ahyp="http://schemas.microsoft.com/office/drawing/2018/hyperlinkcolor" showMasterPhAnim="0" showMasterSp="0">
+  <p:cSld>
+    <p:spTree>
+      <p:nvGrpSpPr>
+        <p:cNvPr id="100" name="Shape 100"/>
+        <p:cNvGrpSpPr/>
+        <p:nvPr/>
+      </p:nvGrpSpPr>
+      <p:grpSpPr>
+        <a:xfrm>
+          <a:off x="0" y="0"/>
+          <a:ext cx="0" cy="0"/>
+          <a:chOff x="0" y="0"/>
+          <a:chExt cx="0" cy="0"/>
+        </a:xfrm>
+      </p:grpSpPr>
+      <p:sp>
+        <p:nvSpPr>
+          <p:cNvPr id="101" name="Google Shape;101;g132f26af5fb_1_48:notes"/>
+          <p:cNvSpPr/>
+          <p:nvPr>
+            <p:ph idx="2" type="sldImg"/>
+          </p:nvPr>
+        </p:nvSpPr>
+        <p:spPr>
+          <a:xfrm>
+            <a:off x="1143267" y="685800"/>
+            <a:ext cx="4572300" cy="3429000"/>
+          </a:xfrm>
+          <a:custGeom>
+            <a:rect b="b" l="l" r="r" t="t"/>
+            <a:pathLst>
+              <a:path extrusionOk="0" h="120000" w="120000">
+                <a:moveTo>
+                  <a:pt x="0" y="0"/>
+                </a:moveTo>
+                <a:lnTo>
+                  <a:pt x="120000" y="0"/>
+                </a:lnTo>
+                <a:lnTo>
+                  <a:pt x="120000" y="120000"/>
+                </a:lnTo>
+                <a:lnTo>
+                  <a:pt x="0" y="120000"/>
+                </a:lnTo>
+                <a:close/>
+              </a:path>
+            </a:pathLst>
+          </a:custGeom>
+        </p:spPr>
+      </p:sp>
+      <p:sp>
+        <p:nvSpPr>
+          <p:cNvPr id="102" name="Google Shape;102;g132f26af5fb_1_48:notes"/>
+          <p:cNvSpPr txBox="1"/>
+          <p:nvPr>
+            <p:ph idx="1" type="body"/>
+          </p:nvPr>
+        </p:nvSpPr>
+        <p:spPr>
+          <a:xfrm>
+            <a:off x="685800" y="4343400"/>
+            <a:ext cx="5486400" cy="4114800"/>
+          </a:xfrm>
+          <a:prstGeom prst="rect">
+            <a:avLst/>
+          </a:prstGeom>
+        </p:spPr>
+        <p:txBody>
+          <a:bodyPr anchorCtr="0" anchor="t" bIns="91425" lIns="91425" spcFirstLastPara="1" rIns="91425" wrap="square" tIns="91425">
+            <a:noAutofit/>
+          </a:bodyPr>
+          <a:lstStyle/>
+          <a:p>
+            <a:pPr indent="0" lvl="0" marL="0" rtl="0" algn="l">
+              <a:spcBef>
+                <a:spcPts val="0"/>
+              </a:spcBef>
+              <a:spcAft>
+                <a:spcPts val="0"/>
+              </a:spcAft>
+              <a:buNone/>
+            </a:pPr>
+            <a:r>
+              <a:t/>
+            </a:r>
+            <a:endParaRPr/>
+          </a:p>
+        </p:txBody>
+      </p:sp>
+    </p:spTree>
+  </p:cSld>
+  <p:clrMapOvr>
+    <a:masterClrMapping/>
+  </p:clrMapOvr>
+</p:notes>
+</file>
+
+<file path=ppt/notesSlides/notesSlide8.xml><?xml version="1.0" encoding="utf-8"?>
+<p:notes xmlns:a="http://schemas.openxmlformats.org/drawingml/2006/main" xmlns:r="http://schemas.openxmlformats.org/officeDocument/2006/relationships" xmlns:mc="http://schemas.openxmlformats.org/markup-compatibility/2006" xmlns:mv="urn:schemas-microsoft-com:mac:vml" xmlns:p="http://schemas.openxmlformats.org/presentationml/2006/main" xmlns:c="http://schemas.openxmlformats.org/drawingml/2006/chart" xmlns:dgm="http://schemas.openxmlformats.org/drawingml/2006/diagram" xmlns:o="urn:schemas-microsoft-com:office:office" xmlns:v="urn:schemas-microsoft-com:vml" xmlns:pvml="urn:schemas-microsoft-com:office:powerpoint" xmlns:com="http://schemas.openxmlformats.org/drawingml/2006/compatibility" xmlns:p14="http://schemas.microsoft.com/office/powerpoint/2010/main" xmlns:p15="http://schemas.microsoft.com/office/powerpoint/2012/main" xmlns:ahyp="http://schemas.microsoft.com/office/drawing/2018/hyperlinkcolor" showMasterPhAnim="0" showMasterSp="0">
+  <p:cSld>
+    <p:spTree>
+      <p:nvGrpSpPr>
+        <p:cNvPr id="108" name="Shape 108"/>
+        <p:cNvGrpSpPr/>
+        <p:nvPr/>
+      </p:nvGrpSpPr>
+      <p:grpSpPr>
+        <a:xfrm>
+          <a:off x="0" y="0"/>
+          <a:ext cx="0" cy="0"/>
+          <a:chOff x="0" y="0"/>
+          <a:chExt cx="0" cy="0"/>
+        </a:xfrm>
+      </p:grpSpPr>
+      <p:sp>
+        <p:nvSpPr>
+          <p:cNvPr id="109" name="Google Shape;109;g132b7d94a98_1_28:notes"/>
+          <p:cNvSpPr/>
+          <p:nvPr>
+            <p:ph idx="2" type="sldImg"/>
+          </p:nvPr>
+        </p:nvSpPr>
+        <p:spPr>
+          <a:xfrm>
+            <a:off x="1143267" y="685800"/>
+            <a:ext cx="4572300" cy="3429000"/>
+          </a:xfrm>
+          <a:custGeom>
+            <a:rect b="b" l="l" r="r" t="t"/>
+            <a:pathLst>
+              <a:path extrusionOk="0" h="120000" w="120000">
+                <a:moveTo>
+                  <a:pt x="0" y="0"/>
+                </a:moveTo>
+                <a:lnTo>
+                  <a:pt x="120000" y="0"/>
+                </a:lnTo>
+                <a:lnTo>
+                  <a:pt x="120000" y="120000"/>
+                </a:lnTo>
+                <a:lnTo>
+                  <a:pt x="0" y="120000"/>
+                </a:lnTo>
+                <a:close/>
+              </a:path>
+            </a:pathLst>
+          </a:custGeom>
+        </p:spPr>
+      </p:sp>
+      <p:sp>
+        <p:nvSpPr>
+          <p:cNvPr id="110" name="Google Shape;110;g132b7d94a98_1_28:notes"/>
+          <p:cNvSpPr txBox="1"/>
+          <p:nvPr>
+            <p:ph idx="1" type="body"/>
+          </p:nvPr>
+        </p:nvSpPr>
+        <p:spPr>
+          <a:xfrm>
+            <a:off x="685800" y="4343400"/>
+            <a:ext cx="5486400" cy="4114800"/>
+          </a:xfrm>
+          <a:prstGeom prst="rect">
+            <a:avLst/>
+          </a:prstGeom>
+        </p:spPr>
+        <p:txBody>
+          <a:bodyPr anchorCtr="0" anchor="t" bIns="91425" lIns="91425" spcFirstLastPara="1" rIns="91425" wrap="square" tIns="91425">
+            <a:noAutofit/>
+          </a:bodyPr>
+          <a:lstStyle/>
+          <a:p>
+            <a:pPr indent="0" lvl="0" marL="0" rtl="0" algn="l">
+              <a:spcBef>
+                <a:spcPts val="0"/>
+              </a:spcBef>
+              <a:spcAft>
+                <a:spcPts val="0"/>
+              </a:spcAft>
+              <a:buNone/>
+            </a:pPr>
+            <a:r>
+              <a:t/>
+            </a:r>
+            <a:endParaRPr/>
+          </a:p>
+        </p:txBody>
+      </p:sp>
+    </p:spTree>
+  </p:cSld>
+  <p:clrMapOvr>
+    <a:masterClrMapping/>
+  </p:clrMapOvr>
+</p:notes>
+</file>
+
+<file path=ppt/notesSlides/notesSlide9.xml><?xml version="1.0" encoding="utf-8"?>
+<p:notes xmlns:a="http://schemas.openxmlformats.org/drawingml/2006/main" xmlns:r="http://schemas.openxmlformats.org/officeDocument/2006/relationships" xmlns:mc="http://schemas.openxmlformats.org/markup-compatibility/2006" xmlns:mv="urn:schemas-microsoft-com:mac:vml" xmlns:p="http://schemas.openxmlformats.org/presentationml/2006/main" xmlns:c="http://schemas.openxmlformats.org/drawingml/2006/chart" xmlns:dgm="http://schemas.openxmlformats.org/drawingml/2006/diagram" xmlns:o="urn:schemas-microsoft-com:office:office" xmlns:v="urn:schemas-microsoft-com:vml" xmlns:pvml="urn:schemas-microsoft-com:office:powerpoint" xmlns:com="http://schemas.openxmlformats.org/drawingml/2006/compatibility" xmlns:p14="http://schemas.microsoft.com/office/powerpoint/2010/main" xmlns:p15="http://schemas.microsoft.com/office/powerpoint/2012/main" xmlns:ahyp="http://schemas.microsoft.com/office/drawing/2018/hyperlinkcolor" showMasterPhAnim="0" showMasterSp="0">
+  <p:cSld>
+    <p:spTree>
+      <p:nvGrpSpPr>
+        <p:cNvPr id="116" name="Shape 116"/>
+        <p:cNvGrpSpPr/>
+        <p:nvPr/>
+      </p:nvGrpSpPr>
+      <p:grpSpPr>
+        <a:xfrm>
+          <a:off x="0" y="0"/>
+          <a:ext cx="0" cy="0"/>
+          <a:chOff x="0" y="0"/>
+          <a:chExt cx="0" cy="0"/>
+        </a:xfrm>
+      </p:grpSpPr>
+      <p:sp>
+        <p:nvSpPr>
+          <p:cNvPr id="117" name="Google Shape;117;g132b7d94a98_1_35:notes"/>
+          <p:cNvSpPr/>
+          <p:nvPr>
+            <p:ph idx="2" type="sldImg"/>
+          </p:nvPr>
+        </p:nvSpPr>
+        <p:spPr>
+          <a:xfrm>
+            <a:off x="1143267" y="685800"/>
+            <a:ext cx="4572300" cy="3429000"/>
+          </a:xfrm>
+          <a:custGeom>
+            <a:rect b="b" l="l" r="r" t="t"/>
+            <a:pathLst>
+              <a:path extrusionOk="0" h="120000" w="120000">
+                <a:moveTo>
+                  <a:pt x="0" y="0"/>
+                </a:moveTo>
+                <a:lnTo>
+                  <a:pt x="120000" y="0"/>
+                </a:lnTo>
+                <a:lnTo>
+                  <a:pt x="120000" y="120000"/>
+                </a:lnTo>
+                <a:lnTo>
+                  <a:pt x="0" y="120000"/>
+                </a:lnTo>
+                <a:close/>
+              </a:path>
+            </a:pathLst>
+          </a:custGeom>
+        </p:spPr>
+      </p:sp>
+      <p:sp>
+        <p:nvSpPr>
+          <p:cNvPr id="118" name="Google Shape;118;g132b7d94a98_1_35:notes"/>
           <p:cNvSpPr txBox="1"/>
           <p:nvPr>
             <p:ph idx="1" type="body"/>
@@ -1028,8 +1628,8 @@
         </p:nvSpPr>
         <p:spPr>
           <a:xfrm>
-            <a:off x="306800" y="2084549"/>
-            <a:ext cx="8386500" cy="5746800"/>
+            <a:off x="311708" y="992767"/>
+            <a:ext cx="8520600" cy="2736900"/>
           </a:xfrm>
           <a:prstGeom prst="rect">
             <a:avLst/>
@@ -1153,8 +1753,8 @@
         </p:nvSpPr>
         <p:spPr>
           <a:xfrm>
-            <a:off x="306791" y="7934558"/>
-            <a:ext cx="8386500" cy="2219400"/>
+            <a:off x="311700" y="3778833"/>
+            <a:ext cx="8520600" cy="1056900"/>
           </a:xfrm>
           <a:prstGeom prst="rect">
             <a:avLst/>
@@ -1305,8 +1905,8 @@
         </p:nvSpPr>
         <p:spPr>
           <a:xfrm>
-            <a:off x="8339033" y="13055375"/>
-            <a:ext cx="540000" cy="1101900"/>
+            <a:off x="8472458" y="6217622"/>
+            <a:ext cx="548700" cy="524700"/>
           </a:xfrm>
           <a:prstGeom prst="rect">
             <a:avLst/>
@@ -1407,8 +2007,8 @@
         </p:nvSpPr>
         <p:spPr>
           <a:xfrm>
-            <a:off x="306791" y="3096763"/>
-            <a:ext cx="8386500" cy="5497500"/>
+            <a:off x="311700" y="1474833"/>
+            <a:ext cx="8520600" cy="2618100"/>
           </a:xfrm>
           <a:prstGeom prst="rect">
             <a:avLst/>
@@ -1536,8 +2136,8 @@
         </p:nvSpPr>
         <p:spPr>
           <a:xfrm>
-            <a:off x="306791" y="8825127"/>
-            <a:ext cx="8386500" cy="3641400"/>
+            <a:off x="311700" y="4202967"/>
+            <a:ext cx="8520600" cy="1734300"/>
           </a:xfrm>
           <a:prstGeom prst="rect">
             <a:avLst/>
@@ -1661,8 +2261,8 @@
         </p:nvSpPr>
         <p:spPr>
           <a:xfrm>
-            <a:off x="8339033" y="13055375"/>
-            <a:ext cx="540000" cy="1101900"/>
+            <a:off x="8472458" y="6217622"/>
+            <a:ext cx="548700" cy="524700"/>
           </a:xfrm>
           <a:prstGeom prst="rect">
             <a:avLst/>
@@ -1763,8 +2363,8 @@
         </p:nvSpPr>
         <p:spPr>
           <a:xfrm>
-            <a:off x="8339033" y="13055375"/>
-            <a:ext cx="540000" cy="1101900"/>
+            <a:off x="8472458" y="6217622"/>
+            <a:ext cx="548700" cy="524700"/>
           </a:xfrm>
           <a:prstGeom prst="rect">
             <a:avLst/>
@@ -1865,8 +2465,8 @@
         </p:nvSpPr>
         <p:spPr>
           <a:xfrm>
-            <a:off x="306791" y="6021627"/>
-            <a:ext cx="8386500" cy="2356500"/>
+            <a:off x="311700" y="2867800"/>
+            <a:ext cx="8520600" cy="1122300"/>
           </a:xfrm>
           <a:prstGeom prst="rect">
             <a:avLst/>
@@ -1990,8 +2590,8 @@
         </p:nvSpPr>
         <p:spPr>
           <a:xfrm>
-            <a:off x="8339033" y="13055375"/>
-            <a:ext cx="540000" cy="1101900"/>
+            <a:off x="8472458" y="6217622"/>
+            <a:ext cx="548700" cy="524700"/>
           </a:xfrm>
           <a:prstGeom prst="rect">
             <a:avLst/>
@@ -2092,8 +2692,8 @@
         </p:nvSpPr>
         <p:spPr>
           <a:xfrm>
-            <a:off x="306791" y="1245914"/>
-            <a:ext cx="8386500" cy="1603200"/>
+            <a:off x="311700" y="593367"/>
+            <a:ext cx="8520600" cy="763500"/>
           </a:xfrm>
           <a:prstGeom prst="rect">
             <a:avLst/>
@@ -2217,8 +2817,8 @@
         </p:nvSpPr>
         <p:spPr>
           <a:xfrm>
-            <a:off x="306791" y="3226527"/>
-            <a:ext cx="8386500" cy="9564600"/>
+            <a:off x="311700" y="1536633"/>
+            <a:ext cx="8520600" cy="4555200"/>
           </a:xfrm>
           <a:prstGeom prst="rect">
             <a:avLst/>
@@ -2342,8 +2942,8 @@
         </p:nvSpPr>
         <p:spPr>
           <a:xfrm>
-            <a:off x="8339033" y="13055375"/>
-            <a:ext cx="540000" cy="1101900"/>
+            <a:off x="8472458" y="6217622"/>
+            <a:ext cx="548700" cy="524700"/>
           </a:xfrm>
           <a:prstGeom prst="rect">
             <a:avLst/>
@@ -2444,8 +3044,8 @@
         </p:nvSpPr>
         <p:spPr>
           <a:xfrm>
-            <a:off x="306791" y="1245914"/>
-            <a:ext cx="8386500" cy="1603200"/>
+            <a:off x="311700" y="593367"/>
+            <a:ext cx="8520600" cy="763500"/>
           </a:xfrm>
           <a:prstGeom prst="rect">
             <a:avLst/>
@@ -2569,8 +3169,8 @@
         </p:nvSpPr>
         <p:spPr>
           <a:xfrm>
-            <a:off x="306791" y="3226527"/>
-            <a:ext cx="3936900" cy="9564600"/>
+            <a:off x="311700" y="1536633"/>
+            <a:ext cx="3999900" cy="4555200"/>
           </a:xfrm>
           <a:prstGeom prst="rect">
             <a:avLst/>
@@ -2694,8 +3294,8 @@
         </p:nvSpPr>
         <p:spPr>
           <a:xfrm>
-            <a:off x="4756299" y="3226527"/>
-            <a:ext cx="3936900" cy="9564600"/>
+            <a:off x="4832400" y="1536633"/>
+            <a:ext cx="3999900" cy="4555200"/>
           </a:xfrm>
           <a:prstGeom prst="rect">
             <a:avLst/>
@@ -2819,8 +3419,8 @@
         </p:nvSpPr>
         <p:spPr>
           <a:xfrm>
-            <a:off x="8339033" y="13055375"/>
-            <a:ext cx="540000" cy="1101900"/>
+            <a:off x="8472458" y="6217622"/>
+            <a:ext cx="548700" cy="524700"/>
           </a:xfrm>
           <a:prstGeom prst="rect">
             <a:avLst/>
@@ -2921,8 +3521,8 @@
         </p:nvSpPr>
         <p:spPr>
           <a:xfrm>
-            <a:off x="306791" y="1245914"/>
-            <a:ext cx="8386500" cy="1603200"/>
+            <a:off x="311700" y="593367"/>
+            <a:ext cx="8520600" cy="763500"/>
           </a:xfrm>
           <a:prstGeom prst="rect">
             <a:avLst/>
@@ -3046,8 +3646,8 @@
         </p:nvSpPr>
         <p:spPr>
           <a:xfrm>
-            <a:off x="8339033" y="13055375"/>
-            <a:ext cx="540000" cy="1101900"/>
+            <a:off x="8472458" y="6217622"/>
+            <a:ext cx="548700" cy="524700"/>
           </a:xfrm>
           <a:prstGeom prst="rect">
             <a:avLst/>
@@ -3148,8 +3748,8 @@
         </p:nvSpPr>
         <p:spPr>
           <a:xfrm>
-            <a:off x="306791" y="1555486"/>
-            <a:ext cx="2763900" cy="2115900"/>
+            <a:off x="311700" y="740800"/>
+            <a:ext cx="2808000" cy="1007700"/>
           </a:xfrm>
           <a:prstGeom prst="rect">
             <a:avLst/>
@@ -3273,8 +3873,8 @@
         </p:nvSpPr>
         <p:spPr>
           <a:xfrm>
-            <a:off x="306791" y="3890394"/>
-            <a:ext cx="2763900" cy="8901300"/>
+            <a:off x="311700" y="1852800"/>
+            <a:ext cx="2808000" cy="4239300"/>
           </a:xfrm>
           <a:prstGeom prst="rect">
             <a:avLst/>
@@ -3398,8 +3998,8 @@
         </p:nvSpPr>
         <p:spPr>
           <a:xfrm>
-            <a:off x="8339033" y="13055375"/>
-            <a:ext cx="540000" cy="1101900"/>
+            <a:off x="8472458" y="6217622"/>
+            <a:ext cx="548700" cy="524700"/>
           </a:xfrm>
           <a:prstGeom prst="rect">
             <a:avLst/>
@@ -3500,8 +4100,8 @@
         </p:nvSpPr>
         <p:spPr>
           <a:xfrm>
-            <a:off x="482530" y="1260262"/>
-            <a:ext cx="6267600" cy="11452500"/>
+            <a:off x="490250" y="600200"/>
+            <a:ext cx="6367800" cy="5454300"/>
           </a:xfrm>
           <a:prstGeom prst="rect">
             <a:avLst/>
@@ -3625,8 +4225,8 @@
         </p:nvSpPr>
         <p:spPr>
           <a:xfrm>
-            <a:off x="8339033" y="13055375"/>
-            <a:ext cx="540000" cy="1101900"/>
+            <a:off x="8472458" y="6217622"/>
+            <a:ext cx="548700" cy="524700"/>
           </a:xfrm>
           <a:prstGeom prst="rect">
             <a:avLst/>
@@ -3725,8 +4325,8 @@
         </p:nvSpPr>
         <p:spPr>
           <a:xfrm>
-            <a:off x="4500000" y="-350"/>
-            <a:ext cx="4500000" cy="14400000"/>
+            <a:off x="4572000" y="-167"/>
+            <a:ext cx="4572000" cy="6858000"/>
           </a:xfrm>
           <a:prstGeom prst="rect">
             <a:avLst/>
@@ -3770,8 +4370,8 @@
         </p:nvSpPr>
         <p:spPr>
           <a:xfrm>
-            <a:off x="261319" y="3452458"/>
-            <a:ext cx="3981600" cy="4149900"/>
+            <a:off x="265500" y="1644233"/>
+            <a:ext cx="4045200" cy="1976400"/>
           </a:xfrm>
           <a:prstGeom prst="rect">
             <a:avLst/>
@@ -3895,8 +4495,8 @@
         </p:nvSpPr>
         <p:spPr>
           <a:xfrm>
-            <a:off x="261319" y="7847629"/>
-            <a:ext cx="3981600" cy="3457800"/>
+            <a:off x="265500" y="3737433"/>
+            <a:ext cx="4045200" cy="1646700"/>
           </a:xfrm>
           <a:prstGeom prst="rect">
             <a:avLst/>
@@ -4047,8 +4647,8 @@
         </p:nvSpPr>
         <p:spPr>
           <a:xfrm>
-            <a:off x="4861713" y="2027157"/>
-            <a:ext cx="3776700" cy="10345200"/>
+            <a:off x="4939500" y="965433"/>
+            <a:ext cx="3837000" cy="4926900"/>
           </a:xfrm>
           <a:prstGeom prst="rect">
             <a:avLst/>
@@ -4172,8 +4772,8 @@
         </p:nvSpPr>
         <p:spPr>
           <a:xfrm>
-            <a:off x="8339033" y="13055375"/>
-            <a:ext cx="540000" cy="1101900"/>
+            <a:off x="8472458" y="6217622"/>
+            <a:ext cx="548700" cy="524700"/>
           </a:xfrm>
           <a:prstGeom prst="rect">
             <a:avLst/>
@@ -4274,8 +4874,8 @@
         </p:nvSpPr>
         <p:spPr>
           <a:xfrm>
-            <a:off x="306791" y="11844129"/>
-            <a:ext cx="5904300" cy="1693800"/>
+            <a:off x="311700" y="5640767"/>
+            <a:ext cx="5998800" cy="806700"/>
           </a:xfrm>
           <a:prstGeom prst="rect">
             <a:avLst/>
@@ -4314,8 +4914,8 @@
         </p:nvSpPr>
         <p:spPr>
           <a:xfrm>
-            <a:off x="8339033" y="13055375"/>
-            <a:ext cx="540000" cy="1101900"/>
+            <a:off x="8472458" y="6217622"/>
+            <a:ext cx="548700" cy="524700"/>
           </a:xfrm>
           <a:prstGeom prst="rect">
             <a:avLst/>
@@ -4423,8 +5023,8 @@
         </p:nvSpPr>
         <p:spPr>
           <a:xfrm>
-            <a:off x="306791" y="1245914"/>
-            <a:ext cx="8386500" cy="1603200"/>
+            <a:off x="311700" y="593367"/>
+            <a:ext cx="8520600" cy="763500"/>
           </a:xfrm>
           <a:prstGeom prst="rect">
             <a:avLst/>
@@ -4615,8 +5215,8 @@
         </p:nvSpPr>
         <p:spPr>
           <a:xfrm>
-            <a:off x="306791" y="3226527"/>
-            <a:ext cx="8386500" cy="9564600"/>
+            <a:off x="311700" y="1536633"/>
+            <a:ext cx="8520600" cy="4555200"/>
           </a:xfrm>
           <a:prstGeom prst="rect">
             <a:avLst/>
@@ -4834,8 +5434,8 @@
         </p:nvSpPr>
         <p:spPr>
           <a:xfrm>
-            <a:off x="8339033" y="13055375"/>
-            <a:ext cx="540000" cy="1101900"/>
+            <a:off x="8472458" y="6217622"/>
+            <a:ext cx="548700" cy="524700"/>
           </a:xfrm>
           <a:prstGeom prst="rect">
             <a:avLst/>
@@ -5684,8 +6284,8 @@
         </p:nvSpPr>
         <p:spPr>
           <a:xfrm>
-            <a:off x="306801" y="2831563"/>
-            <a:ext cx="9000000" cy="1603200"/>
+            <a:off x="311709" y="1729532"/>
+            <a:ext cx="9144000" cy="763500"/>
           </a:xfrm>
           <a:prstGeom prst="rect">
             <a:avLst/>
@@ -5716,7 +6316,7 @@
                 <a:cs typeface="Roboto Mono SemiBold"/>
                 <a:sym typeface="Roboto Mono SemiBold"/>
               </a:rPr>
-              <a:t>PROJECT OVERVIEW</a:t>
+              <a:t>SELECTED TOPIC</a:t>
             </a:r>
             <a:endParaRPr sz="3400">
               <a:solidFill>
@@ -5740,15 +6340,15 @@
         </p:nvSpPr>
         <p:spPr>
           <a:xfrm>
-            <a:off x="306800" y="4445725"/>
-            <a:ext cx="8386500" cy="9579000"/>
+            <a:off x="311709" y="2117277"/>
+            <a:ext cx="8520600" cy="4562100"/>
           </a:xfrm>
           <a:prstGeom prst="rect">
             <a:avLst/>
           </a:prstGeom>
         </p:spPr>
         <p:txBody>
-          <a:bodyPr anchorCtr="0" anchor="t" bIns="91425" lIns="91425" spcFirstLastPara="1" rIns="91425" wrap="square" tIns="91425">
+          <a:bodyPr anchorCtr="0" anchor="ctr" bIns="91425" lIns="91425" spcFirstLastPara="1" rIns="91425" wrap="square" tIns="91425">
             <a:normAutofit/>
           </a:bodyPr>
           <a:lstStyle/>
@@ -5790,35 +6390,12 @@
                 <a:spcPts val="1200"/>
               </a:spcBef>
               <a:spcAft>
-                <a:spcPts val="0"/>
+                <a:spcPts val="1200"/>
               </a:spcAft>
               <a:buNone/>
             </a:pPr>
             <a:r>
-              <a:t/>
-            </a:r>
-            <a:endParaRPr sz="2600">
-              <a:solidFill>
-                <a:schemeClr val="lt1"/>
-              </a:solidFill>
-              <a:latin typeface="Roboto Mono"/>
-              <a:ea typeface="Roboto Mono"/>
-              <a:cs typeface="Roboto Mono"/>
-              <a:sym typeface="Roboto Mono"/>
-            </a:endParaRPr>
-          </a:p>
-          <a:p>
-            <a:pPr indent="0" lvl="0" marL="0" rtl="0" algn="just">
-              <a:spcBef>
-                <a:spcPts val="1200"/>
-              </a:spcBef>
-              <a:spcAft>
-                <a:spcPts val="1200"/>
-              </a:spcAft>
-              <a:buNone/>
-            </a:pPr>
-            <a:r>
-              <a:rPr lang="es-419" sz="2400">
+              <a:rPr lang="es-419" sz="1408">
                 <a:solidFill>
                   <a:schemeClr val="lt1"/>
                 </a:solidFill>
@@ -5827,9 +6404,9 @@
                 <a:cs typeface="Roboto Mono"/>
                 <a:sym typeface="Roboto Mono"/>
               </a:rPr>
-              <a:t>For this project, we decided to analyze a pool of e-commerce transactions that take place on the Mercadolibre platform. Despite being the largest e-commerce platform in Latin America nowadays, Mercado Libre still does not have a tool that helps its vendors deal with scammers. Vendors depend entirely on whatever Mercado Pago says or does to detect suspicious activities to block orders. Nevertheless, scammers have developed strategies to circumvent the platform’s fraud detection system and order products without paying for them. The objective of this project is to detect certain patterns with the use of Machine Learning that can help vendors better prepare for fraudulent transactions and prevent losses.</a:t>
+              <a:t>For this project, we decided to analyze a pool of e-commerce transactions that take place on the Mercadolibre platform. </a:t>
             </a:r>
-            <a:endParaRPr sz="2400">
+            <a:endParaRPr sz="1408">
               <a:solidFill>
                 <a:schemeClr val="lt1"/>
               </a:solidFill>
@@ -5851,8 +6428,8 @@
         </p:nvSpPr>
         <p:spPr>
           <a:xfrm>
-            <a:off x="382950" y="2831563"/>
-            <a:ext cx="8386500" cy="1603200"/>
+            <a:off x="389077" y="1729532"/>
+            <a:ext cx="8520600" cy="763500"/>
           </a:xfrm>
           <a:prstGeom prst="rect">
             <a:avLst/>
@@ -5883,7 +6460,7 @@
                 <a:cs typeface="Roboto Mono SemiBold"/>
                 <a:sym typeface="Roboto Mono SemiBold"/>
               </a:rPr>
-              <a:t>PROJECT OVERVIEW </a:t>
+              <a:t>SELECTED TOPIC</a:t>
             </a:r>
             <a:endParaRPr sz="3400">
               <a:solidFill>
@@ -5913,7 +6490,7 @@
         <p:spPr>
           <a:xfrm>
             <a:off x="0" y="0"/>
-            <a:ext cx="9000000" cy="3238750"/>
+            <a:ext cx="9144000" cy="1542455"/>
           </a:xfrm>
           <a:prstGeom prst="rect">
             <a:avLst/>
@@ -5966,8 +6543,8 @@
         </p:nvSpPr>
         <p:spPr>
           <a:xfrm>
-            <a:off x="306791" y="2846114"/>
-            <a:ext cx="8386500" cy="1603200"/>
+            <a:off x="311709" y="1729532"/>
+            <a:ext cx="9144000" cy="763500"/>
           </a:xfrm>
           <a:prstGeom prst="rect">
             <a:avLst/>
@@ -5989,25 +6566,25 @@
               <a:buNone/>
             </a:pPr>
             <a:r>
-              <a:rPr lang="es-419" sz="3400">
+              <a:rPr b="1" lang="es-419" sz="3400">
                 <a:solidFill>
                   <a:srgbClr val="FF0000"/>
                 </a:solidFill>
-                <a:latin typeface="Roboto Mono SemiBold"/>
-                <a:ea typeface="Roboto Mono SemiBold"/>
-                <a:cs typeface="Roboto Mono SemiBold"/>
-                <a:sym typeface="Roboto Mono SemiBold"/>
+                <a:latin typeface="Roboto Mono"/>
+                <a:ea typeface="Roboto Mono"/>
+                <a:cs typeface="Roboto Mono"/>
+                <a:sym typeface="Roboto Mono"/>
               </a:rPr>
-              <a:t>COMMUNICATION PROTOCOLS</a:t>
+              <a:t>REASON TOPIC WAS SELECTED</a:t>
             </a:r>
-            <a:endParaRPr sz="3400">
+            <a:endParaRPr b="1" sz="3400">
               <a:solidFill>
                 <a:srgbClr val="FF0000"/>
               </a:solidFill>
-              <a:latin typeface="Roboto Mono SemiBold"/>
-              <a:ea typeface="Roboto Mono SemiBold"/>
-              <a:cs typeface="Roboto Mono SemiBold"/>
-              <a:sym typeface="Roboto Mono SemiBold"/>
+              <a:latin typeface="Roboto Mono"/>
+              <a:ea typeface="Roboto Mono"/>
+              <a:cs typeface="Roboto Mono"/>
+              <a:sym typeface="Roboto Mono"/>
             </a:endParaRPr>
           </a:p>
         </p:txBody>
@@ -6022,15 +6599,15 @@
         </p:nvSpPr>
         <p:spPr>
           <a:xfrm>
-            <a:off x="306800" y="4445725"/>
-            <a:ext cx="8386500" cy="9579000"/>
+            <a:off x="311709" y="2117277"/>
+            <a:ext cx="8520600" cy="4562100"/>
           </a:xfrm>
           <a:prstGeom prst="rect">
             <a:avLst/>
           </a:prstGeom>
         </p:spPr>
         <p:txBody>
-          <a:bodyPr anchorCtr="0" anchor="b" bIns="91425" lIns="91425" spcFirstLastPara="1" rIns="91425" wrap="square" tIns="91425">
+          <a:bodyPr anchorCtr="0" anchor="ctr" bIns="91425" lIns="91425" spcFirstLastPara="1" rIns="91425" wrap="square" tIns="91425">
             <a:normAutofit/>
           </a:bodyPr>
           <a:lstStyle/>
@@ -6045,7 +6622,7 @@
               <a:buNone/>
             </a:pPr>
             <a:r>
-              <a:rPr lang="es-419">
+              <a:rPr lang="es-419" sz="2600">
                 <a:solidFill>
                   <a:schemeClr val="lt1"/>
                 </a:solidFill>
@@ -6054,9 +6631,9 @@
                 <a:cs typeface="Roboto Mono"/>
                 <a:sym typeface="Roboto Mono"/>
               </a:rPr>
-              <a:t>A communication protocol is a set of rules that allows two or more entities in a communications system to send data using any physical quantity variation. The protocol specifies the communication rules, syntax, semantics, and synchronization, as well as error recovery techniques. Hardware, software, or a mix of both can implement protocols.</a:t>
+              <a:t>MERCADO LIBRE LACKS ROBUST FRAUD DETECTION MODELS</a:t>
             </a:r>
-            <a:endParaRPr>
+            <a:endParaRPr sz="2600">
               <a:solidFill>
                 <a:schemeClr val="lt1"/>
               </a:solidFill>
@@ -6072,35 +6649,12 @@
                 <a:spcPts val="1200"/>
               </a:spcBef>
               <a:spcAft>
-                <a:spcPts val="0"/>
+                <a:spcPts val="1200"/>
               </a:spcAft>
               <a:buNone/>
             </a:pPr>
             <a:r>
-              <a:t/>
-            </a:r>
-            <a:endParaRPr>
-              <a:solidFill>
-                <a:schemeClr val="lt1"/>
-              </a:solidFill>
-              <a:latin typeface="Roboto Mono"/>
-              <a:ea typeface="Roboto Mono"/>
-              <a:cs typeface="Roboto Mono"/>
-              <a:sym typeface="Roboto Mono"/>
-            </a:endParaRPr>
-          </a:p>
-          <a:p>
-            <a:pPr indent="0" lvl="0" marL="0" rtl="0" algn="just">
-              <a:spcBef>
-                <a:spcPts val="1200"/>
-              </a:spcBef>
-              <a:spcAft>
-                <a:spcPts val="0"/>
-              </a:spcAft>
-              <a:buNone/>
-            </a:pPr>
-            <a:r>
-              <a:rPr lang="es-419">
+              <a:rPr lang="es-419" sz="1408">
                 <a:solidFill>
                   <a:schemeClr val="lt1"/>
                 </a:solidFill>
@@ -6109,253 +6663,9 @@
                 <a:cs typeface="Roboto Mono"/>
                 <a:sym typeface="Roboto Mono"/>
               </a:rPr>
-              <a:t>For this project our team decided to employ the following communication protocols:</a:t>
+              <a:t>Despite being the largest e-commerce platform in Latin America nowadays, Mercado Libre still does not have a tool that helps its vendors deal with scammers. Vendors depend entirely on whatever Mercado Pago says or does to detect suspicious activities to block orders. </a:t>
             </a:r>
-            <a:endParaRPr>
-              <a:solidFill>
-                <a:schemeClr val="lt1"/>
-              </a:solidFill>
-              <a:latin typeface="Roboto Mono"/>
-              <a:ea typeface="Roboto Mono"/>
-              <a:cs typeface="Roboto Mono"/>
-              <a:sym typeface="Roboto Mono"/>
-            </a:endParaRPr>
-          </a:p>
-          <a:p>
-            <a:pPr indent="0" lvl="0" marL="0" rtl="0" algn="just">
-              <a:spcBef>
-                <a:spcPts val="1200"/>
-              </a:spcBef>
-              <a:spcAft>
-                <a:spcPts val="0"/>
-              </a:spcAft>
-              <a:buNone/>
-            </a:pPr>
-            <a:r>
-              <a:t/>
-            </a:r>
-            <a:endParaRPr>
-              <a:solidFill>
-                <a:schemeClr val="lt1"/>
-              </a:solidFill>
-              <a:latin typeface="Roboto Mono"/>
-              <a:ea typeface="Roboto Mono"/>
-              <a:cs typeface="Roboto Mono"/>
-              <a:sym typeface="Roboto Mono"/>
-            </a:endParaRPr>
-          </a:p>
-          <a:p>
-            <a:pPr indent="-342900" lvl="0" marL="457200" rtl="0" algn="just">
-              <a:spcBef>
-                <a:spcPts val="1200"/>
-              </a:spcBef>
-              <a:spcAft>
-                <a:spcPts val="0"/>
-              </a:spcAft>
-              <a:buClr>
-                <a:schemeClr val="lt1"/>
-              </a:buClr>
-              <a:buSzPts val="1800"/>
-              <a:buFont typeface="Roboto Mono"/>
-              <a:buAutoNum type="arabicPeriod"/>
-            </a:pPr>
-            <a:r>
-              <a:rPr lang="es-419">
-                <a:solidFill>
-                  <a:schemeClr val="lt1"/>
-                </a:solidFill>
-                <a:latin typeface="Roboto Mono"/>
-                <a:ea typeface="Roboto Mono"/>
-                <a:cs typeface="Roboto Mono"/>
-                <a:sym typeface="Roboto Mono"/>
-              </a:rPr>
-              <a:t>Two weekly checkpoints during Data Analytics Boot Camp live virtual classes. During these sessions we catch up and discuss next steps and divide tasks according to Boot Camp’s deliverables requirements.</a:t>
-            </a:r>
-            <a:endParaRPr>
-              <a:solidFill>
-                <a:schemeClr val="lt1"/>
-              </a:solidFill>
-              <a:latin typeface="Roboto Mono"/>
-              <a:ea typeface="Roboto Mono"/>
-              <a:cs typeface="Roboto Mono"/>
-              <a:sym typeface="Roboto Mono"/>
-            </a:endParaRPr>
-          </a:p>
-          <a:p>
-            <a:pPr indent="-342900" lvl="0" marL="457200" rtl="0" algn="just">
-              <a:spcBef>
-                <a:spcPts val="0"/>
-              </a:spcBef>
-              <a:spcAft>
-                <a:spcPts val="0"/>
-              </a:spcAft>
-              <a:buClr>
-                <a:schemeClr val="lt1"/>
-              </a:buClr>
-              <a:buSzPts val="1800"/>
-              <a:buFont typeface="Roboto Mono"/>
-              <a:buAutoNum type="arabicPeriod"/>
-            </a:pPr>
-            <a:r>
-              <a:rPr lang="es-419">
-                <a:solidFill>
-                  <a:schemeClr val="lt1"/>
-                </a:solidFill>
-                <a:latin typeface="Roboto Mono"/>
-                <a:ea typeface="Roboto Mono"/>
-                <a:cs typeface="Roboto Mono"/>
-                <a:sym typeface="Roboto Mono"/>
-              </a:rPr>
-              <a:t>One weekend checkpoint scheduled Saturdays at 12 PM. </a:t>
-            </a:r>
-            <a:r>
-              <a:rPr lang="es-419">
-                <a:solidFill>
-                  <a:schemeClr val="lt1"/>
-                </a:solidFill>
-                <a:latin typeface="Roboto Mono"/>
-                <a:ea typeface="Roboto Mono"/>
-                <a:cs typeface="Roboto Mono"/>
-                <a:sym typeface="Roboto Mono"/>
-              </a:rPr>
-              <a:t>During these sessions we catch up and discuss what milestones should be finished by the end of the week.</a:t>
-            </a:r>
-            <a:endParaRPr>
-              <a:solidFill>
-                <a:schemeClr val="lt1"/>
-              </a:solidFill>
-              <a:latin typeface="Roboto Mono"/>
-              <a:ea typeface="Roboto Mono"/>
-              <a:cs typeface="Roboto Mono"/>
-              <a:sym typeface="Roboto Mono"/>
-            </a:endParaRPr>
-          </a:p>
-          <a:p>
-            <a:pPr indent="-342900" lvl="0" marL="457200" rtl="0" algn="just">
-              <a:spcBef>
-                <a:spcPts val="0"/>
-              </a:spcBef>
-              <a:spcAft>
-                <a:spcPts val="0"/>
-              </a:spcAft>
-              <a:buClr>
-                <a:schemeClr val="lt1"/>
-              </a:buClr>
-              <a:buSzPts val="1800"/>
-              <a:buFont typeface="Roboto Mono"/>
-              <a:buAutoNum type="arabicPeriod"/>
-            </a:pPr>
-            <a:r>
-              <a:rPr lang="es-419">
-                <a:solidFill>
-                  <a:schemeClr val="lt1"/>
-                </a:solidFill>
-                <a:latin typeface="Roboto Mono"/>
-                <a:ea typeface="Roboto Mono"/>
-                <a:cs typeface="Roboto Mono"/>
-                <a:sym typeface="Roboto Mono"/>
-              </a:rPr>
-              <a:t>All communication occurs through </a:t>
-            </a:r>
-            <a:r>
-              <a:rPr i="1" lang="es-419">
-                <a:solidFill>
-                  <a:schemeClr val="lt1"/>
-                </a:solidFill>
-                <a:latin typeface="Roboto Mono"/>
-                <a:ea typeface="Roboto Mono"/>
-                <a:cs typeface="Roboto Mono"/>
-                <a:sym typeface="Roboto Mono"/>
-              </a:rPr>
-              <a:t>“TecDataAn Proyecto”</a:t>
-            </a:r>
-            <a:r>
-              <a:rPr lang="es-419">
-                <a:solidFill>
-                  <a:schemeClr val="lt1"/>
-                </a:solidFill>
-                <a:latin typeface="Roboto Mono"/>
-                <a:ea typeface="Roboto Mono"/>
-                <a:cs typeface="Roboto Mono"/>
-                <a:sym typeface="Roboto Mono"/>
-              </a:rPr>
-              <a:t> WhatsApp group. In this group we announce when a milestone is finished, ask and answer questions between us, and raise hands if any risk pops out.</a:t>
-            </a:r>
-            <a:endParaRPr>
-              <a:solidFill>
-                <a:schemeClr val="lt1"/>
-              </a:solidFill>
-              <a:latin typeface="Roboto Mono"/>
-              <a:ea typeface="Roboto Mono"/>
-              <a:cs typeface="Roboto Mono"/>
-              <a:sym typeface="Roboto Mono"/>
-            </a:endParaRPr>
-          </a:p>
-          <a:p>
-            <a:pPr indent="-342900" lvl="0" marL="457200" rtl="0" algn="just">
-              <a:spcBef>
-                <a:spcPts val="0"/>
-              </a:spcBef>
-              <a:spcAft>
-                <a:spcPts val="0"/>
-              </a:spcAft>
-              <a:buClr>
-                <a:schemeClr val="lt1"/>
-              </a:buClr>
-              <a:buSzPts val="1800"/>
-              <a:buFont typeface="Roboto Mono"/>
-              <a:buAutoNum type="arabicPeriod"/>
-            </a:pPr>
-            <a:r>
-              <a:rPr lang="es-419">
-                <a:solidFill>
-                  <a:schemeClr val="lt1"/>
-                </a:solidFill>
-                <a:latin typeface="Roboto Mono"/>
-                <a:ea typeface="Roboto Mono"/>
-                <a:cs typeface="Roboto Mono"/>
-                <a:sym typeface="Roboto Mono"/>
-              </a:rPr>
-              <a:t>Google Drive works as our storage and file-sharing method. We can consult CSV files, Colab Notebooks, and any other materials.</a:t>
-            </a:r>
-            <a:endParaRPr>
-              <a:solidFill>
-                <a:schemeClr val="lt1"/>
-              </a:solidFill>
-              <a:latin typeface="Roboto Mono"/>
-              <a:ea typeface="Roboto Mono"/>
-              <a:cs typeface="Roboto Mono"/>
-              <a:sym typeface="Roboto Mono"/>
-            </a:endParaRPr>
-          </a:p>
-          <a:p>
-            <a:pPr indent="-342900" lvl="0" marL="457200" rtl="0" algn="just">
-              <a:spcBef>
-                <a:spcPts val="0"/>
-              </a:spcBef>
-              <a:spcAft>
-                <a:spcPts val="0"/>
-              </a:spcAft>
-              <a:buClr>
-                <a:schemeClr val="lt1"/>
-              </a:buClr>
-              <a:buSzPts val="1800"/>
-              <a:buFont typeface="Roboto Mono"/>
-              <a:buAutoNum type="arabicPeriod"/>
-            </a:pPr>
-            <a:r>
-              <a:rPr lang="es-419">
-                <a:solidFill>
-                  <a:schemeClr val="lt1"/>
-                </a:solidFill>
-                <a:latin typeface="Roboto Mono"/>
-                <a:ea typeface="Roboto Mono"/>
-                <a:cs typeface="Roboto Mono"/>
-                <a:sym typeface="Roboto Mono"/>
-              </a:rPr>
-              <a:t>Instant files and links to resources are shared through Slack.</a:t>
-            </a:r>
-            <a:endParaRPr>
+            <a:endParaRPr sz="1408">
               <a:solidFill>
                 <a:schemeClr val="lt1"/>
               </a:solidFill>
@@ -6377,8 +6687,8 @@
         </p:nvSpPr>
         <p:spPr>
           <a:xfrm>
-            <a:off x="382991" y="2846114"/>
-            <a:ext cx="8386500" cy="1603200"/>
+            <a:off x="389077" y="1729532"/>
+            <a:ext cx="8520600" cy="763500"/>
           </a:xfrm>
           <a:prstGeom prst="rect">
             <a:avLst/>
@@ -6409,7 +6719,7 @@
                 <a:cs typeface="Roboto Mono SemiBold"/>
                 <a:sym typeface="Roboto Mono SemiBold"/>
               </a:rPr>
-              <a:t>COMMUNICATION PROTOCOLS</a:t>
+              <a:t>REASON TOPIC WAS SELECTED</a:t>
             </a:r>
             <a:endParaRPr sz="3400">
               <a:solidFill>
@@ -6439,7 +6749,7 @@
         <p:spPr>
           <a:xfrm>
             <a:off x="0" y="0"/>
-            <a:ext cx="9000000" cy="3238750"/>
+            <a:ext cx="9144000" cy="1542455"/>
           </a:xfrm>
           <a:prstGeom prst="rect">
             <a:avLst/>
@@ -6482,153 +6792,246 @@
           <a:chExt cx="0" cy="0"/>
         </a:xfrm>
       </p:grpSpPr>
-      <p:pic>
-        <p:nvPicPr>
+      <p:sp>
+        <p:nvSpPr>
           <p:cNvPr id="70" name="Google Shape;70;p15"/>
-          <p:cNvPicPr preferRelativeResize="0"/>
-          <p:nvPr/>
-        </p:nvPicPr>
-        <p:blipFill>
-          <a:blip r:embed="rId3">
-            <a:alphaModFix/>
-          </a:blip>
-          <a:stretch>
-            <a:fillRect/>
-          </a:stretch>
-        </p:blipFill>
+          <p:cNvSpPr txBox="1"/>
+          <p:nvPr>
+            <p:ph type="title"/>
+          </p:nvPr>
+        </p:nvSpPr>
         <p:spPr>
           <a:xfrm>
-            <a:off x="558988" y="11346850"/>
-            <a:ext cx="3600000" cy="2592000"/>
+            <a:off x="311709" y="1729532"/>
+            <a:ext cx="9144000" cy="763500"/>
           </a:xfrm>
           <a:prstGeom prst="rect">
             <a:avLst/>
           </a:prstGeom>
-          <a:noFill/>
-          <a:ln>
-            <a:noFill/>
-          </a:ln>
         </p:spPr>
-      </p:pic>
-      <p:pic>
-        <p:nvPicPr>
+        <p:txBody>
+          <a:bodyPr anchorCtr="0" anchor="b" bIns="91425" lIns="91425" spcFirstLastPara="1" rIns="91425" wrap="square" tIns="91425">
+            <a:normAutofit/>
+          </a:bodyPr>
+          <a:lstStyle/>
+          <a:p>
+            <a:pPr indent="0" lvl="0" marL="0" rtl="0" algn="l">
+              <a:spcBef>
+                <a:spcPts val="0"/>
+              </a:spcBef>
+              <a:spcAft>
+                <a:spcPts val="0"/>
+              </a:spcAft>
+              <a:buNone/>
+            </a:pPr>
+            <a:r>
+              <a:rPr lang="es-419" sz="3400">
+                <a:solidFill>
+                  <a:srgbClr val="FF0000"/>
+                </a:solidFill>
+                <a:latin typeface="Roboto Mono SemiBold"/>
+                <a:ea typeface="Roboto Mono SemiBold"/>
+                <a:cs typeface="Roboto Mono SemiBold"/>
+                <a:sym typeface="Roboto Mono SemiBold"/>
+              </a:rPr>
+              <a:t>DESCRIPTION OF DATA SOURCE</a:t>
+            </a:r>
+            <a:endParaRPr sz="3400">
+              <a:solidFill>
+                <a:srgbClr val="FF0000"/>
+              </a:solidFill>
+              <a:latin typeface="Roboto Mono SemiBold"/>
+              <a:ea typeface="Roboto Mono SemiBold"/>
+              <a:cs typeface="Roboto Mono SemiBold"/>
+              <a:sym typeface="Roboto Mono SemiBold"/>
+            </a:endParaRPr>
+          </a:p>
+        </p:txBody>
+      </p:sp>
+      <p:sp>
+        <p:nvSpPr>
           <p:cNvPr id="71" name="Google Shape;71;p15"/>
-          <p:cNvPicPr preferRelativeResize="0"/>
-          <p:nvPr/>
-        </p:nvPicPr>
-        <p:blipFill rotWithShape="1">
-          <a:blip r:embed="rId4">
-            <a:alphaModFix/>
-          </a:blip>
-          <a:srcRect b="29243" l="0" r="0" t="0"/>
-          <a:stretch/>
-        </p:blipFill>
+          <p:cNvSpPr txBox="1"/>
+          <p:nvPr>
+            <p:ph idx="1" type="body"/>
+          </p:nvPr>
+        </p:nvSpPr>
         <p:spPr>
           <a:xfrm>
-            <a:off x="4841013" y="11346845"/>
-            <a:ext cx="3600000" cy="2592000"/>
+            <a:off x="311709" y="2117277"/>
+            <a:ext cx="8520600" cy="4562100"/>
           </a:xfrm>
           <a:prstGeom prst="rect">
             <a:avLst/>
           </a:prstGeom>
-          <a:noFill/>
-          <a:ln>
-            <a:noFill/>
-          </a:ln>
         </p:spPr>
-      </p:pic>
-      <p:pic>
-        <p:nvPicPr>
+        <p:txBody>
+          <a:bodyPr anchorCtr="0" anchor="ctr" bIns="91425" lIns="91425" spcFirstLastPara="1" rIns="91425" wrap="square" tIns="91425">
+            <a:normAutofit/>
+          </a:bodyPr>
+          <a:lstStyle/>
+          <a:p>
+            <a:pPr indent="0" lvl="0" marL="0" rtl="0" algn="just">
+              <a:spcBef>
+                <a:spcPts val="0"/>
+              </a:spcBef>
+              <a:spcAft>
+                <a:spcPts val="0"/>
+              </a:spcAft>
+              <a:buNone/>
+            </a:pPr>
+            <a:r>
+              <a:rPr lang="es-419" sz="2600">
+                <a:solidFill>
+                  <a:schemeClr val="lt1"/>
+                </a:solidFill>
+                <a:latin typeface="Roboto Mono"/>
+                <a:ea typeface="Roboto Mono"/>
+                <a:cs typeface="Roboto Mono"/>
+                <a:sym typeface="Roboto Mono"/>
+              </a:rPr>
+              <a:t>MERCADO PAGO TRANSACTIONS</a:t>
+            </a:r>
+            <a:endParaRPr sz="2600">
+              <a:solidFill>
+                <a:schemeClr val="lt1"/>
+              </a:solidFill>
+              <a:latin typeface="Roboto Mono"/>
+              <a:ea typeface="Roboto Mono"/>
+              <a:cs typeface="Roboto Mono"/>
+              <a:sym typeface="Roboto Mono"/>
+            </a:endParaRPr>
+          </a:p>
+          <a:p>
+            <a:pPr indent="0" lvl="0" marL="0" rtl="0" algn="just">
+              <a:spcBef>
+                <a:spcPts val="1200"/>
+              </a:spcBef>
+              <a:spcAft>
+                <a:spcPts val="0"/>
+              </a:spcAft>
+              <a:buNone/>
+            </a:pPr>
+            <a:r>
+              <a:rPr lang="es-419" sz="1408">
+                <a:solidFill>
+                  <a:schemeClr val="lt1"/>
+                </a:solidFill>
+                <a:latin typeface="Roboto Mono"/>
+                <a:ea typeface="Roboto Mono"/>
+                <a:cs typeface="Roboto Mono"/>
+                <a:sym typeface="Roboto Mono"/>
+              </a:rPr>
+              <a:t>Mercado Pago is the largest online payment platform in Mexico. The tool allows vendors to charge through different channels: Payment Link (Social Networks and WhatsApp), QR and Point (in person) and Mercado Pago Checkout in onlines store.</a:t>
+            </a:r>
+            <a:endParaRPr sz="1408">
+              <a:solidFill>
+                <a:schemeClr val="lt1"/>
+              </a:solidFill>
+              <a:latin typeface="Roboto Mono"/>
+              <a:ea typeface="Roboto Mono"/>
+              <a:cs typeface="Roboto Mono"/>
+              <a:sym typeface="Roboto Mono"/>
+            </a:endParaRPr>
+          </a:p>
+          <a:p>
+            <a:pPr indent="0" lvl="0" marL="0" rtl="0" algn="just">
+              <a:spcBef>
+                <a:spcPts val="1200"/>
+              </a:spcBef>
+              <a:spcAft>
+                <a:spcPts val="1200"/>
+              </a:spcAft>
+              <a:buNone/>
+            </a:pPr>
+            <a:r>
+              <a:rPr lang="es-419" sz="1408">
+                <a:solidFill>
+                  <a:schemeClr val="lt1"/>
+                </a:solidFill>
+                <a:latin typeface="Roboto Mono"/>
+                <a:ea typeface="Roboto Mono"/>
+                <a:cs typeface="Roboto Mono"/>
+                <a:sym typeface="Roboto Mono"/>
+              </a:rPr>
+              <a:t>Vendors have access to data related to previous transactions of their online stores. Vendors can access this data either directly through the Mercado Shop account through a download (CSV or XML), or through an API, having a unique key for each Mercado Shop.</a:t>
+            </a:r>
+            <a:endParaRPr sz="1408">
+              <a:solidFill>
+                <a:schemeClr val="lt1"/>
+              </a:solidFill>
+              <a:latin typeface="Roboto Mono"/>
+              <a:ea typeface="Roboto Mono"/>
+              <a:cs typeface="Roboto Mono"/>
+              <a:sym typeface="Roboto Mono"/>
+            </a:endParaRPr>
+          </a:p>
+        </p:txBody>
+      </p:sp>
+      <p:sp>
+        <p:nvSpPr>
           <p:cNvPr id="72" name="Google Shape;72;p15"/>
-          <p:cNvPicPr preferRelativeResize="0"/>
-          <p:nvPr/>
-        </p:nvPicPr>
-        <p:blipFill>
-          <a:blip r:embed="rId5">
-            <a:alphaModFix/>
-          </a:blip>
-          <a:stretch>
-            <a:fillRect/>
-          </a:stretch>
-        </p:blipFill>
+          <p:cNvSpPr txBox="1"/>
+          <p:nvPr>
+            <p:ph type="title"/>
+          </p:nvPr>
+        </p:nvSpPr>
         <p:spPr>
           <a:xfrm>
-            <a:off x="621275" y="6536012"/>
-            <a:ext cx="7757449" cy="4473549"/>
+            <a:off x="389077" y="1729532"/>
+            <a:ext cx="8520600" cy="763500"/>
           </a:xfrm>
           <a:prstGeom prst="rect">
             <a:avLst/>
           </a:prstGeom>
-          <a:noFill/>
-          <a:ln>
-            <a:noFill/>
-          </a:ln>
         </p:spPr>
-      </p:pic>
+        <p:txBody>
+          <a:bodyPr anchorCtr="0" anchor="b" bIns="91425" lIns="91425" spcFirstLastPara="1" rIns="91425" wrap="square" tIns="91425">
+            <a:normAutofit/>
+          </a:bodyPr>
+          <a:lstStyle/>
+          <a:p>
+            <a:pPr indent="0" lvl="0" marL="0" rtl="0" algn="l">
+              <a:spcBef>
+                <a:spcPts val="0"/>
+              </a:spcBef>
+              <a:spcAft>
+                <a:spcPts val="0"/>
+              </a:spcAft>
+              <a:buNone/>
+            </a:pPr>
+            <a:r>
+              <a:rPr lang="es-419" sz="3400">
+                <a:solidFill>
+                  <a:schemeClr val="lt1"/>
+                </a:solidFill>
+                <a:latin typeface="Roboto Mono SemiBold"/>
+                <a:ea typeface="Roboto Mono SemiBold"/>
+                <a:cs typeface="Roboto Mono SemiBold"/>
+                <a:sym typeface="Roboto Mono SemiBold"/>
+              </a:rPr>
+              <a:t>DESCRIPTION OF DATA SOURCE (1/2)</a:t>
+            </a:r>
+            <a:endParaRPr sz="3400">
+              <a:solidFill>
+                <a:schemeClr val="lt1"/>
+              </a:solidFill>
+              <a:latin typeface="Roboto Mono SemiBold"/>
+              <a:ea typeface="Roboto Mono SemiBold"/>
+              <a:cs typeface="Roboto Mono SemiBold"/>
+              <a:sym typeface="Roboto Mono SemiBold"/>
+            </a:endParaRPr>
+          </a:p>
+        </p:txBody>
+      </p:sp>
       <p:pic>
         <p:nvPicPr>
           <p:cNvPr id="73" name="Google Shape;73;p15"/>
           <p:cNvPicPr preferRelativeResize="0"/>
           <p:nvPr/>
         </p:nvPicPr>
-        <p:blipFill>
-          <a:blip r:embed="rId6">
-            <a:alphaModFix/>
-          </a:blip>
-          <a:stretch>
-            <a:fillRect/>
-          </a:stretch>
-        </p:blipFill>
-        <p:spPr>
-          <a:xfrm>
-            <a:off x="558987" y="3678730"/>
-            <a:ext cx="3600000" cy="2520000"/>
-          </a:xfrm>
-          <a:prstGeom prst="rect">
-            <a:avLst/>
-          </a:prstGeom>
-          <a:noFill/>
-          <a:ln>
-            <a:noFill/>
-          </a:ln>
-        </p:spPr>
-      </p:pic>
-      <p:pic>
-        <p:nvPicPr>
-          <p:cNvPr id="74" name="Google Shape;74;p15"/>
-          <p:cNvPicPr preferRelativeResize="0"/>
-          <p:nvPr/>
-        </p:nvPicPr>
-        <p:blipFill>
-          <a:blip r:embed="rId7">
-            <a:alphaModFix/>
-          </a:blip>
-          <a:stretch>
-            <a:fillRect/>
-          </a:stretch>
-        </p:blipFill>
-        <p:spPr>
-          <a:xfrm>
-            <a:off x="4841012" y="3678717"/>
-            <a:ext cx="3600001" cy="2520000"/>
-          </a:xfrm>
-          <a:prstGeom prst="rect">
-            <a:avLst/>
-          </a:prstGeom>
-          <a:noFill/>
-          <a:ln>
-            <a:noFill/>
-          </a:ln>
-        </p:spPr>
-      </p:pic>
-      <p:pic>
-        <p:nvPicPr>
-          <p:cNvPr id="75" name="Google Shape;75;p15"/>
-          <p:cNvPicPr preferRelativeResize="0"/>
-          <p:nvPr/>
-        </p:nvPicPr>
         <p:blipFill rotWithShape="1">
-          <a:blip r:embed="rId8">
+          <a:blip r:embed="rId3">
             <a:alphaModFix/>
           </a:blip>
           <a:srcRect b="15846" l="0" r="0" t="20177"/>
@@ -6637,7 +7040,7 @@
         <p:spPr>
           <a:xfrm>
             <a:off x="0" y="0"/>
-            <a:ext cx="9000000" cy="3238750"/>
+            <a:ext cx="9144000" cy="1542455"/>
           </a:xfrm>
           <a:prstGeom prst="rect">
             <a:avLst/>
@@ -6656,7 +7059,2830 @@
 </p:sld>
 </file>
 
+<file path=ppt/slides/slide4.xml><?xml version="1.0" encoding="utf-8"?>
+<p:sld xmlns:a="http://schemas.openxmlformats.org/drawingml/2006/main" xmlns:r="http://schemas.openxmlformats.org/officeDocument/2006/relationships" xmlns:mc="http://schemas.openxmlformats.org/markup-compatibility/2006" xmlns:mv="urn:schemas-microsoft-com:mac:vml" xmlns:p="http://schemas.openxmlformats.org/presentationml/2006/main" xmlns:c="http://schemas.openxmlformats.org/drawingml/2006/chart" xmlns:dgm="http://schemas.openxmlformats.org/drawingml/2006/diagram" xmlns:o="urn:schemas-microsoft-com:office:office" xmlns:v="urn:schemas-microsoft-com:vml" xmlns:pvml="urn:schemas-microsoft-com:office:powerpoint" xmlns:com="http://schemas.openxmlformats.org/drawingml/2006/compatibility" xmlns:p14="http://schemas.microsoft.com/office/powerpoint/2010/main" xmlns:p15="http://schemas.microsoft.com/office/powerpoint/2012/main" xmlns:ahyp="http://schemas.microsoft.com/office/drawing/2018/hyperlinkcolor">
+  <p:cSld>
+    <p:bg>
+      <p:bgPr>
+        <a:solidFill>
+          <a:srgbClr val="121212"/>
+        </a:solidFill>
+      </p:bgPr>
+    </p:bg>
+    <p:spTree>
+      <p:nvGrpSpPr>
+        <p:cNvPr id="77" name="Shape 77"/>
+        <p:cNvGrpSpPr/>
+        <p:nvPr/>
+      </p:nvGrpSpPr>
+      <p:grpSpPr>
+        <a:xfrm>
+          <a:off x="0" y="0"/>
+          <a:ext cx="0" cy="0"/>
+          <a:chOff x="0" y="0"/>
+          <a:chExt cx="0" cy="0"/>
+        </a:xfrm>
+      </p:grpSpPr>
+      <p:sp>
+        <p:nvSpPr>
+          <p:cNvPr id="78" name="Google Shape;78;p16"/>
+          <p:cNvSpPr txBox="1"/>
+          <p:nvPr>
+            <p:ph type="title"/>
+          </p:nvPr>
+        </p:nvSpPr>
+        <p:spPr>
+          <a:xfrm>
+            <a:off x="311709" y="1729532"/>
+            <a:ext cx="9144000" cy="763500"/>
+          </a:xfrm>
+          <a:prstGeom prst="rect">
+            <a:avLst/>
+          </a:prstGeom>
+        </p:spPr>
+        <p:txBody>
+          <a:bodyPr anchorCtr="0" anchor="b" bIns="91425" lIns="91425" spcFirstLastPara="1" rIns="91425" wrap="square" tIns="91425">
+            <a:normAutofit/>
+          </a:bodyPr>
+          <a:lstStyle/>
+          <a:p>
+            <a:pPr indent="0" lvl="0" marL="0" rtl="0" algn="l">
+              <a:spcBef>
+                <a:spcPts val="0"/>
+              </a:spcBef>
+              <a:spcAft>
+                <a:spcPts val="0"/>
+              </a:spcAft>
+              <a:buNone/>
+            </a:pPr>
+            <a:r>
+              <a:rPr lang="es-419" sz="3400">
+                <a:solidFill>
+                  <a:srgbClr val="FF0000"/>
+                </a:solidFill>
+                <a:latin typeface="Roboto Mono SemiBold"/>
+                <a:ea typeface="Roboto Mono SemiBold"/>
+                <a:cs typeface="Roboto Mono SemiBold"/>
+                <a:sym typeface="Roboto Mono SemiBold"/>
+              </a:rPr>
+              <a:t>DESCRIPTION OF DATA SOURCE</a:t>
+            </a:r>
+            <a:endParaRPr sz="3400">
+              <a:solidFill>
+                <a:srgbClr val="FF0000"/>
+              </a:solidFill>
+              <a:latin typeface="Roboto Mono SemiBold"/>
+              <a:ea typeface="Roboto Mono SemiBold"/>
+              <a:cs typeface="Roboto Mono SemiBold"/>
+              <a:sym typeface="Roboto Mono SemiBold"/>
+            </a:endParaRPr>
+          </a:p>
+        </p:txBody>
+      </p:sp>
+      <p:sp>
+        <p:nvSpPr>
+          <p:cNvPr id="79" name="Google Shape;79;p16"/>
+          <p:cNvSpPr txBox="1"/>
+          <p:nvPr>
+            <p:ph type="title"/>
+          </p:nvPr>
+        </p:nvSpPr>
+        <p:spPr>
+          <a:xfrm>
+            <a:off x="389077" y="1729532"/>
+            <a:ext cx="8520600" cy="763500"/>
+          </a:xfrm>
+          <a:prstGeom prst="rect">
+            <a:avLst/>
+          </a:prstGeom>
+        </p:spPr>
+        <p:txBody>
+          <a:bodyPr anchorCtr="0" anchor="b" bIns="91425" lIns="91425" spcFirstLastPara="1" rIns="91425" wrap="square" tIns="91425">
+            <a:normAutofit/>
+          </a:bodyPr>
+          <a:lstStyle/>
+          <a:p>
+            <a:pPr indent="0" lvl="0" marL="0" rtl="0" algn="l">
+              <a:spcBef>
+                <a:spcPts val="0"/>
+              </a:spcBef>
+              <a:spcAft>
+                <a:spcPts val="0"/>
+              </a:spcAft>
+              <a:buNone/>
+            </a:pPr>
+            <a:r>
+              <a:rPr lang="es-419" sz="3400">
+                <a:solidFill>
+                  <a:schemeClr val="lt1"/>
+                </a:solidFill>
+                <a:latin typeface="Roboto Mono SemiBold"/>
+                <a:ea typeface="Roboto Mono SemiBold"/>
+                <a:cs typeface="Roboto Mono SemiBold"/>
+                <a:sym typeface="Roboto Mono SemiBold"/>
+              </a:rPr>
+              <a:t>DESCRIPTION OF DATA SOURCE (2/2)</a:t>
+            </a:r>
+            <a:endParaRPr sz="3400">
+              <a:solidFill>
+                <a:schemeClr val="lt1"/>
+              </a:solidFill>
+              <a:latin typeface="Roboto Mono SemiBold"/>
+              <a:ea typeface="Roboto Mono SemiBold"/>
+              <a:cs typeface="Roboto Mono SemiBold"/>
+              <a:sym typeface="Roboto Mono SemiBold"/>
+            </a:endParaRPr>
+          </a:p>
+        </p:txBody>
+      </p:sp>
+      <p:pic>
+        <p:nvPicPr>
+          <p:cNvPr id="80" name="Google Shape;80;p16"/>
+          <p:cNvPicPr preferRelativeResize="0"/>
+          <p:nvPr/>
+        </p:nvPicPr>
+        <p:blipFill rotWithShape="1">
+          <a:blip r:embed="rId3">
+            <a:alphaModFix/>
+          </a:blip>
+          <a:srcRect b="15846" l="0" r="0" t="20177"/>
+          <a:stretch/>
+        </p:blipFill>
+        <p:spPr>
+          <a:xfrm>
+            <a:off x="0" y="0"/>
+            <a:ext cx="9144000" cy="1542455"/>
+          </a:xfrm>
+          <a:prstGeom prst="rect">
+            <a:avLst/>
+          </a:prstGeom>
+          <a:noFill/>
+          <a:ln>
+            <a:noFill/>
+          </a:ln>
+        </p:spPr>
+      </p:pic>
+      <p:grpSp>
+        <p:nvGrpSpPr>
+          <p:cNvPr id="81" name="Google Shape;81;p16"/>
+          <p:cNvGrpSpPr/>
+          <p:nvPr/>
+        </p:nvGrpSpPr>
+        <p:grpSpPr>
+          <a:xfrm>
+            <a:off x="248788" y="2829578"/>
+            <a:ext cx="8646424" cy="3002300"/>
+            <a:chOff x="152400" y="2829578"/>
+            <a:chExt cx="8646424" cy="3002300"/>
+          </a:xfrm>
+        </p:grpSpPr>
+        <p:pic>
+          <p:nvPicPr>
+            <p:cNvPr id="82" name="Google Shape;82;p16"/>
+            <p:cNvPicPr preferRelativeResize="0"/>
+            <p:nvPr/>
+          </p:nvPicPr>
+          <p:blipFill>
+            <a:blip r:embed="rId4">
+              <a:alphaModFix/>
+            </a:blip>
+            <a:stretch>
+              <a:fillRect/>
+            </a:stretch>
+          </p:blipFill>
+          <p:spPr>
+            <a:xfrm>
+              <a:off x="3615972" y="2829578"/>
+              <a:ext cx="5182852" cy="3002300"/>
+            </a:xfrm>
+            <a:prstGeom prst="rect">
+              <a:avLst/>
+            </a:prstGeom>
+            <a:noFill/>
+            <a:ln>
+              <a:noFill/>
+            </a:ln>
+          </p:spPr>
+        </p:pic>
+        <p:pic>
+          <p:nvPicPr>
+            <p:cNvPr id="83" name="Google Shape;83;p16"/>
+            <p:cNvPicPr preferRelativeResize="0"/>
+            <p:nvPr/>
+          </p:nvPicPr>
+          <p:blipFill>
+            <a:blip r:embed="rId5">
+              <a:alphaModFix/>
+            </a:blip>
+            <a:stretch>
+              <a:fillRect/>
+            </a:stretch>
+          </p:blipFill>
+          <p:spPr>
+            <a:xfrm>
+              <a:off x="152400" y="2870246"/>
+              <a:ext cx="3311171" cy="2920966"/>
+            </a:xfrm>
+            <a:prstGeom prst="rect">
+              <a:avLst/>
+            </a:prstGeom>
+            <a:noFill/>
+            <a:ln>
+              <a:noFill/>
+            </a:ln>
+          </p:spPr>
+        </p:pic>
+      </p:grpSp>
+    </p:spTree>
+  </p:cSld>
+  <p:clrMapOvr>
+    <a:masterClrMapping/>
+  </p:clrMapOvr>
+</p:sld>
+</file>
+
+<file path=ppt/slides/slide5.xml><?xml version="1.0" encoding="utf-8"?>
+<p:sld xmlns:a="http://schemas.openxmlformats.org/drawingml/2006/main" xmlns:r="http://schemas.openxmlformats.org/officeDocument/2006/relationships" xmlns:mc="http://schemas.openxmlformats.org/markup-compatibility/2006" xmlns:mv="urn:schemas-microsoft-com:mac:vml" xmlns:p="http://schemas.openxmlformats.org/presentationml/2006/main" xmlns:c="http://schemas.openxmlformats.org/drawingml/2006/chart" xmlns:dgm="http://schemas.openxmlformats.org/drawingml/2006/diagram" xmlns:o="urn:schemas-microsoft-com:office:office" xmlns:v="urn:schemas-microsoft-com:vml" xmlns:pvml="urn:schemas-microsoft-com:office:powerpoint" xmlns:com="http://schemas.openxmlformats.org/drawingml/2006/compatibility" xmlns:p14="http://schemas.microsoft.com/office/powerpoint/2010/main" xmlns:p15="http://schemas.microsoft.com/office/powerpoint/2012/main" xmlns:ahyp="http://schemas.microsoft.com/office/drawing/2018/hyperlinkcolor">
+  <p:cSld>
+    <p:bg>
+      <p:bgPr>
+        <a:solidFill>
+          <a:srgbClr val="121212"/>
+        </a:solidFill>
+      </p:bgPr>
+    </p:bg>
+    <p:spTree>
+      <p:nvGrpSpPr>
+        <p:cNvPr id="87" name="Shape 87"/>
+        <p:cNvGrpSpPr/>
+        <p:nvPr/>
+      </p:nvGrpSpPr>
+      <p:grpSpPr>
+        <a:xfrm>
+          <a:off x="0" y="0"/>
+          <a:ext cx="0" cy="0"/>
+          <a:chOff x="0" y="0"/>
+          <a:chExt cx="0" cy="0"/>
+        </a:xfrm>
+      </p:grpSpPr>
+      <p:sp>
+        <p:nvSpPr>
+          <p:cNvPr id="88" name="Google Shape;88;p17"/>
+          <p:cNvSpPr txBox="1"/>
+          <p:nvPr>
+            <p:ph type="title"/>
+          </p:nvPr>
+        </p:nvSpPr>
+        <p:spPr>
+          <a:xfrm>
+            <a:off x="311709" y="1729532"/>
+            <a:ext cx="9144000" cy="763500"/>
+          </a:xfrm>
+          <a:prstGeom prst="rect">
+            <a:avLst/>
+          </a:prstGeom>
+        </p:spPr>
+        <p:txBody>
+          <a:bodyPr anchorCtr="0" anchor="b" bIns="91425" lIns="91425" spcFirstLastPara="1" rIns="91425" wrap="square" tIns="91425">
+            <a:normAutofit/>
+          </a:bodyPr>
+          <a:lstStyle/>
+          <a:p>
+            <a:pPr indent="0" lvl="0" marL="0" rtl="0" algn="l">
+              <a:spcBef>
+                <a:spcPts val="0"/>
+              </a:spcBef>
+              <a:spcAft>
+                <a:spcPts val="0"/>
+              </a:spcAft>
+              <a:buNone/>
+            </a:pPr>
+            <a:r>
+              <a:rPr lang="es-419" sz="3400">
+                <a:solidFill>
+                  <a:srgbClr val="FF0000"/>
+                </a:solidFill>
+                <a:latin typeface="Roboto Mono SemiBold"/>
+                <a:ea typeface="Roboto Mono SemiBold"/>
+                <a:cs typeface="Roboto Mono SemiBold"/>
+                <a:sym typeface="Roboto Mono SemiBold"/>
+              </a:rPr>
+              <a:t>QUESTIONS TO ANSWER</a:t>
+            </a:r>
+            <a:endParaRPr sz="3400">
+              <a:solidFill>
+                <a:srgbClr val="FF0000"/>
+              </a:solidFill>
+              <a:latin typeface="Roboto Mono SemiBold"/>
+              <a:ea typeface="Roboto Mono SemiBold"/>
+              <a:cs typeface="Roboto Mono SemiBold"/>
+              <a:sym typeface="Roboto Mono SemiBold"/>
+            </a:endParaRPr>
+          </a:p>
+        </p:txBody>
+      </p:sp>
+      <p:sp>
+        <p:nvSpPr>
+          <p:cNvPr id="89" name="Google Shape;89;p17"/>
+          <p:cNvSpPr txBox="1"/>
+          <p:nvPr>
+            <p:ph idx="1" type="body"/>
+          </p:nvPr>
+        </p:nvSpPr>
+        <p:spPr>
+          <a:xfrm>
+            <a:off x="311709" y="2117277"/>
+            <a:ext cx="8520600" cy="4562100"/>
+          </a:xfrm>
+          <a:prstGeom prst="rect">
+            <a:avLst/>
+          </a:prstGeom>
+        </p:spPr>
+        <p:txBody>
+          <a:bodyPr anchorCtr="0" anchor="ctr" bIns="91425" lIns="91425" spcFirstLastPara="1" rIns="91425" wrap="square" tIns="91425">
+            <a:normAutofit/>
+          </a:bodyPr>
+          <a:lstStyle/>
+          <a:p>
+            <a:pPr indent="0" lvl="0" marL="0" rtl="0" algn="just">
+              <a:spcBef>
+                <a:spcPts val="0"/>
+              </a:spcBef>
+              <a:spcAft>
+                <a:spcPts val="0"/>
+              </a:spcAft>
+              <a:buNone/>
+            </a:pPr>
+            <a:r>
+              <a:rPr lang="es-419" sz="2600">
+                <a:solidFill>
+                  <a:schemeClr val="lt1"/>
+                </a:solidFill>
+                <a:latin typeface="Roboto Mono"/>
+                <a:ea typeface="Roboto Mono"/>
+                <a:cs typeface="Roboto Mono"/>
+                <a:sym typeface="Roboto Mono"/>
+              </a:rPr>
+              <a:t>WHAT, WHERE, HOW, WHEN</a:t>
+            </a:r>
+            <a:endParaRPr sz="2600">
+              <a:solidFill>
+                <a:schemeClr val="lt1"/>
+              </a:solidFill>
+              <a:latin typeface="Roboto Mono"/>
+              <a:ea typeface="Roboto Mono"/>
+              <a:cs typeface="Roboto Mono"/>
+              <a:sym typeface="Roboto Mono"/>
+            </a:endParaRPr>
+          </a:p>
+          <a:p>
+            <a:pPr indent="0" lvl="0" marL="0" rtl="0" algn="just">
+              <a:spcBef>
+                <a:spcPts val="1200"/>
+              </a:spcBef>
+              <a:spcAft>
+                <a:spcPts val="0"/>
+              </a:spcAft>
+              <a:buNone/>
+            </a:pPr>
+            <a:r>
+              <a:rPr lang="es-419" sz="1408">
+                <a:solidFill>
+                  <a:schemeClr val="lt1"/>
+                </a:solidFill>
+                <a:latin typeface="Roboto Mono"/>
+                <a:ea typeface="Roboto Mono"/>
+                <a:cs typeface="Roboto Mono"/>
+                <a:sym typeface="Roboto Mono"/>
+              </a:rPr>
+              <a:t>Scammers have developed strategies to circumvent the platform’s fraud detection system and order products without paying for them. The objective of this project is to detect certain patterns with the use of Machine Learning that can help vendors better prepare for fraudulent transactions and prevent losses. These patterns include most common geographies, products, months, and payment methods that result in fraud.</a:t>
+            </a:r>
+            <a:endParaRPr sz="1408">
+              <a:solidFill>
+                <a:schemeClr val="lt1"/>
+              </a:solidFill>
+              <a:latin typeface="Roboto Mono"/>
+              <a:ea typeface="Roboto Mono"/>
+              <a:cs typeface="Roboto Mono"/>
+              <a:sym typeface="Roboto Mono"/>
+            </a:endParaRPr>
+          </a:p>
+          <a:p>
+            <a:pPr indent="-318012" lvl="0" marL="457200" rtl="0" algn="just">
+              <a:spcBef>
+                <a:spcPts val="1200"/>
+              </a:spcBef>
+              <a:spcAft>
+                <a:spcPts val="0"/>
+              </a:spcAft>
+              <a:buClr>
+                <a:schemeClr val="lt1"/>
+              </a:buClr>
+              <a:buSzPts val="1408"/>
+              <a:buFont typeface="Roboto Mono"/>
+              <a:buChar char="●"/>
+            </a:pPr>
+            <a:r>
+              <a:rPr lang="es-419" sz="1408">
+                <a:solidFill>
+                  <a:schemeClr val="lt1"/>
+                </a:solidFill>
+                <a:latin typeface="Roboto Mono"/>
+                <a:ea typeface="Roboto Mono"/>
+                <a:cs typeface="Roboto Mono"/>
+                <a:sym typeface="Roboto Mono"/>
+              </a:rPr>
+              <a:t>Is it a safe operation? </a:t>
+            </a:r>
+            <a:endParaRPr sz="1408">
+              <a:solidFill>
+                <a:schemeClr val="lt1"/>
+              </a:solidFill>
+              <a:latin typeface="Roboto Mono"/>
+              <a:ea typeface="Roboto Mono"/>
+              <a:cs typeface="Roboto Mono"/>
+              <a:sym typeface="Roboto Mono"/>
+            </a:endParaRPr>
+          </a:p>
+          <a:p>
+            <a:pPr indent="-318012" lvl="0" marL="457200" rtl="0" algn="just">
+              <a:spcBef>
+                <a:spcPts val="0"/>
+              </a:spcBef>
+              <a:spcAft>
+                <a:spcPts val="0"/>
+              </a:spcAft>
+              <a:buClr>
+                <a:schemeClr val="lt1"/>
+              </a:buClr>
+              <a:buSzPts val="1408"/>
+              <a:buFont typeface="Roboto Mono"/>
+              <a:buChar char="●"/>
+            </a:pPr>
+            <a:r>
+              <a:rPr lang="es-419" sz="1408">
+                <a:solidFill>
+                  <a:schemeClr val="lt1"/>
+                </a:solidFill>
+                <a:latin typeface="Roboto Mono"/>
+                <a:ea typeface="Roboto Mono"/>
+                <a:cs typeface="Roboto Mono"/>
+                <a:sym typeface="Roboto Mono"/>
+              </a:rPr>
+              <a:t>What variables are related to the fraudulent buyer? </a:t>
+            </a:r>
+            <a:endParaRPr sz="1408">
+              <a:solidFill>
+                <a:schemeClr val="lt1"/>
+              </a:solidFill>
+              <a:latin typeface="Roboto Mono"/>
+              <a:ea typeface="Roboto Mono"/>
+              <a:cs typeface="Roboto Mono"/>
+              <a:sym typeface="Roboto Mono"/>
+            </a:endParaRPr>
+          </a:p>
+          <a:p>
+            <a:pPr indent="-318012" lvl="0" marL="457200" rtl="0" algn="just">
+              <a:spcBef>
+                <a:spcPts val="0"/>
+              </a:spcBef>
+              <a:spcAft>
+                <a:spcPts val="0"/>
+              </a:spcAft>
+              <a:buClr>
+                <a:schemeClr val="lt1"/>
+              </a:buClr>
+              <a:buSzPts val="1408"/>
+              <a:buFont typeface="Roboto Mono"/>
+              <a:buChar char="●"/>
+            </a:pPr>
+            <a:r>
+              <a:rPr lang="es-419" sz="1408">
+                <a:solidFill>
+                  <a:schemeClr val="lt1"/>
+                </a:solidFill>
+                <a:latin typeface="Roboto Mono"/>
+                <a:ea typeface="Roboto Mono"/>
+                <a:cs typeface="Roboto Mono"/>
+                <a:sym typeface="Roboto Mono"/>
+              </a:rPr>
+              <a:t>What are the big patterns the purchase shows? </a:t>
+            </a:r>
+            <a:endParaRPr sz="1408">
+              <a:solidFill>
+                <a:schemeClr val="lt1"/>
+              </a:solidFill>
+              <a:latin typeface="Roboto Mono"/>
+              <a:ea typeface="Roboto Mono"/>
+              <a:cs typeface="Roboto Mono"/>
+              <a:sym typeface="Roboto Mono"/>
+            </a:endParaRPr>
+          </a:p>
+          <a:p>
+            <a:pPr indent="-318012" lvl="0" marL="457200" rtl="0" algn="just">
+              <a:spcBef>
+                <a:spcPts val="0"/>
+              </a:spcBef>
+              <a:spcAft>
+                <a:spcPts val="0"/>
+              </a:spcAft>
+              <a:buClr>
+                <a:schemeClr val="lt1"/>
+              </a:buClr>
+              <a:buSzPts val="1408"/>
+              <a:buFont typeface="Roboto Mono"/>
+              <a:buChar char="●"/>
+            </a:pPr>
+            <a:r>
+              <a:rPr lang="es-419" sz="1408">
+                <a:solidFill>
+                  <a:schemeClr val="lt1"/>
+                </a:solidFill>
+                <a:latin typeface="Roboto Mono"/>
+                <a:ea typeface="Roboto Mono"/>
+                <a:cs typeface="Roboto Mono"/>
+                <a:sym typeface="Roboto Mono"/>
+              </a:rPr>
+              <a:t>What range of charges is most likely to be fraudulent? </a:t>
+            </a:r>
+            <a:endParaRPr sz="1408">
+              <a:solidFill>
+                <a:schemeClr val="lt1"/>
+              </a:solidFill>
+              <a:latin typeface="Roboto Mono"/>
+              <a:ea typeface="Roboto Mono"/>
+              <a:cs typeface="Roboto Mono"/>
+              <a:sym typeface="Roboto Mono"/>
+            </a:endParaRPr>
+          </a:p>
+          <a:p>
+            <a:pPr indent="-318012" lvl="0" marL="457200" rtl="0" algn="just">
+              <a:spcBef>
+                <a:spcPts val="0"/>
+              </a:spcBef>
+              <a:spcAft>
+                <a:spcPts val="0"/>
+              </a:spcAft>
+              <a:buClr>
+                <a:schemeClr val="lt1"/>
+              </a:buClr>
+              <a:buSzPts val="1408"/>
+              <a:buFont typeface="Roboto Mono"/>
+              <a:buChar char="●"/>
+            </a:pPr>
+            <a:r>
+              <a:rPr lang="es-419" sz="1408">
+                <a:solidFill>
+                  <a:schemeClr val="lt1"/>
+                </a:solidFill>
+                <a:latin typeface="Roboto Mono"/>
+                <a:ea typeface="Roboto Mono"/>
+                <a:cs typeface="Roboto Mono"/>
+                <a:sym typeface="Roboto Mono"/>
+              </a:rPr>
+              <a:t>What is the fraudulent buyer likely to buy? </a:t>
+            </a:r>
+            <a:endParaRPr sz="1408">
+              <a:solidFill>
+                <a:schemeClr val="lt1"/>
+              </a:solidFill>
+              <a:latin typeface="Roboto Mono"/>
+              <a:ea typeface="Roboto Mono"/>
+              <a:cs typeface="Roboto Mono"/>
+              <a:sym typeface="Roboto Mono"/>
+            </a:endParaRPr>
+          </a:p>
+          <a:p>
+            <a:pPr indent="-318012" lvl="0" marL="457200" rtl="0" algn="just">
+              <a:spcBef>
+                <a:spcPts val="0"/>
+              </a:spcBef>
+              <a:spcAft>
+                <a:spcPts val="0"/>
+              </a:spcAft>
+              <a:buClr>
+                <a:schemeClr val="lt1"/>
+              </a:buClr>
+              <a:buSzPts val="1408"/>
+              <a:buFont typeface="Roboto Mono"/>
+              <a:buChar char="●"/>
+            </a:pPr>
+            <a:r>
+              <a:rPr lang="es-419" sz="1408">
+                <a:solidFill>
+                  <a:schemeClr val="lt1"/>
+                </a:solidFill>
+                <a:latin typeface="Roboto Mono"/>
+                <a:ea typeface="Roboto Mono"/>
+                <a:cs typeface="Roboto Mono"/>
+                <a:sym typeface="Roboto Mono"/>
+              </a:rPr>
+              <a:t>Are fraud operations made from a specific region?</a:t>
+            </a:r>
+            <a:endParaRPr sz="1408">
+              <a:solidFill>
+                <a:schemeClr val="lt1"/>
+              </a:solidFill>
+              <a:latin typeface="Roboto Mono"/>
+              <a:ea typeface="Roboto Mono"/>
+              <a:cs typeface="Roboto Mono"/>
+              <a:sym typeface="Roboto Mono"/>
+            </a:endParaRPr>
+          </a:p>
+        </p:txBody>
+      </p:sp>
+      <p:sp>
+        <p:nvSpPr>
+          <p:cNvPr id="90" name="Google Shape;90;p17"/>
+          <p:cNvSpPr txBox="1"/>
+          <p:nvPr>
+            <p:ph type="title"/>
+          </p:nvPr>
+        </p:nvSpPr>
+        <p:spPr>
+          <a:xfrm>
+            <a:off x="389077" y="1729532"/>
+            <a:ext cx="8520600" cy="763500"/>
+          </a:xfrm>
+          <a:prstGeom prst="rect">
+            <a:avLst/>
+          </a:prstGeom>
+        </p:spPr>
+        <p:txBody>
+          <a:bodyPr anchorCtr="0" anchor="b" bIns="91425" lIns="91425" spcFirstLastPara="1" rIns="91425" wrap="square" tIns="91425">
+            <a:normAutofit/>
+          </a:bodyPr>
+          <a:lstStyle/>
+          <a:p>
+            <a:pPr indent="0" lvl="0" marL="0" rtl="0" algn="l">
+              <a:spcBef>
+                <a:spcPts val="0"/>
+              </a:spcBef>
+              <a:spcAft>
+                <a:spcPts val="0"/>
+              </a:spcAft>
+              <a:buNone/>
+            </a:pPr>
+            <a:r>
+              <a:rPr lang="es-419" sz="3400">
+                <a:solidFill>
+                  <a:schemeClr val="lt1"/>
+                </a:solidFill>
+                <a:latin typeface="Roboto Mono SemiBold"/>
+                <a:ea typeface="Roboto Mono SemiBold"/>
+                <a:cs typeface="Roboto Mono SemiBold"/>
+                <a:sym typeface="Roboto Mono SemiBold"/>
+              </a:rPr>
+              <a:t>QUESTIONS TO ANSWER</a:t>
+            </a:r>
+            <a:endParaRPr sz="3400">
+              <a:solidFill>
+                <a:schemeClr val="lt1"/>
+              </a:solidFill>
+              <a:latin typeface="Roboto Mono SemiBold"/>
+              <a:ea typeface="Roboto Mono SemiBold"/>
+              <a:cs typeface="Roboto Mono SemiBold"/>
+              <a:sym typeface="Roboto Mono SemiBold"/>
+            </a:endParaRPr>
+          </a:p>
+        </p:txBody>
+      </p:sp>
+      <p:pic>
+        <p:nvPicPr>
+          <p:cNvPr id="91" name="Google Shape;91;p17"/>
+          <p:cNvPicPr preferRelativeResize="0"/>
+          <p:nvPr/>
+        </p:nvPicPr>
+        <p:blipFill rotWithShape="1">
+          <a:blip r:embed="rId3">
+            <a:alphaModFix/>
+          </a:blip>
+          <a:srcRect b="15846" l="0" r="0" t="20177"/>
+          <a:stretch/>
+        </p:blipFill>
+        <p:spPr>
+          <a:xfrm>
+            <a:off x="0" y="0"/>
+            <a:ext cx="9144000" cy="1542455"/>
+          </a:xfrm>
+          <a:prstGeom prst="rect">
+            <a:avLst/>
+          </a:prstGeom>
+          <a:noFill/>
+          <a:ln>
+            <a:noFill/>
+          </a:ln>
+        </p:spPr>
+      </p:pic>
+    </p:spTree>
+  </p:cSld>
+  <p:clrMapOvr>
+    <a:masterClrMapping/>
+  </p:clrMapOvr>
+</p:sld>
+</file>
+
+<file path=ppt/slides/slide6.xml><?xml version="1.0" encoding="utf-8"?>
+<p:sld xmlns:a="http://schemas.openxmlformats.org/drawingml/2006/main" xmlns:r="http://schemas.openxmlformats.org/officeDocument/2006/relationships" xmlns:mc="http://schemas.openxmlformats.org/markup-compatibility/2006" xmlns:mv="urn:schemas-microsoft-com:mac:vml" xmlns:p="http://schemas.openxmlformats.org/presentationml/2006/main" xmlns:c="http://schemas.openxmlformats.org/drawingml/2006/chart" xmlns:dgm="http://schemas.openxmlformats.org/drawingml/2006/diagram" xmlns:o="urn:schemas-microsoft-com:office:office" xmlns:v="urn:schemas-microsoft-com:vml" xmlns:pvml="urn:schemas-microsoft-com:office:powerpoint" xmlns:com="http://schemas.openxmlformats.org/drawingml/2006/compatibility" xmlns:p14="http://schemas.microsoft.com/office/powerpoint/2010/main" xmlns:p15="http://schemas.microsoft.com/office/powerpoint/2012/main" xmlns:ahyp="http://schemas.microsoft.com/office/drawing/2018/hyperlinkcolor">
+  <p:cSld>
+    <p:bg>
+      <p:bgPr>
+        <a:solidFill>
+          <a:srgbClr val="121212"/>
+        </a:solidFill>
+      </p:bgPr>
+    </p:bg>
+    <p:spTree>
+      <p:nvGrpSpPr>
+        <p:cNvPr id="95" name="Shape 95"/>
+        <p:cNvGrpSpPr/>
+        <p:nvPr/>
+      </p:nvGrpSpPr>
+      <p:grpSpPr>
+        <a:xfrm>
+          <a:off x="0" y="0"/>
+          <a:ext cx="0" cy="0"/>
+          <a:chOff x="0" y="0"/>
+          <a:chExt cx="0" cy="0"/>
+        </a:xfrm>
+      </p:grpSpPr>
+      <p:sp>
+        <p:nvSpPr>
+          <p:cNvPr id="96" name="Google Shape;96;p18"/>
+          <p:cNvSpPr txBox="1"/>
+          <p:nvPr>
+            <p:ph type="title"/>
+          </p:nvPr>
+        </p:nvSpPr>
+        <p:spPr>
+          <a:xfrm>
+            <a:off x="311709" y="1729532"/>
+            <a:ext cx="9144000" cy="763500"/>
+          </a:xfrm>
+          <a:prstGeom prst="rect">
+            <a:avLst/>
+          </a:prstGeom>
+        </p:spPr>
+        <p:txBody>
+          <a:bodyPr anchorCtr="0" anchor="b" bIns="91425" lIns="91425" spcFirstLastPara="1" rIns="91425" wrap="square" tIns="91425">
+            <a:normAutofit/>
+          </a:bodyPr>
+          <a:lstStyle/>
+          <a:p>
+            <a:pPr indent="0" lvl="0" marL="0" rtl="0" algn="l">
+              <a:spcBef>
+                <a:spcPts val="0"/>
+              </a:spcBef>
+              <a:spcAft>
+                <a:spcPts val="0"/>
+              </a:spcAft>
+              <a:buNone/>
+            </a:pPr>
+            <a:r>
+              <a:rPr lang="es-419" sz="3400">
+                <a:solidFill>
+                  <a:srgbClr val="FF0000"/>
+                </a:solidFill>
+                <a:latin typeface="Roboto Mono SemiBold"/>
+                <a:ea typeface="Roboto Mono SemiBold"/>
+                <a:cs typeface="Roboto Mono SemiBold"/>
+                <a:sym typeface="Roboto Mono SemiBold"/>
+              </a:rPr>
+              <a:t>DATA EXPLORATION</a:t>
+            </a:r>
+            <a:endParaRPr sz="3400">
+              <a:solidFill>
+                <a:srgbClr val="FF0000"/>
+              </a:solidFill>
+              <a:latin typeface="Roboto Mono SemiBold"/>
+              <a:ea typeface="Roboto Mono SemiBold"/>
+              <a:cs typeface="Roboto Mono SemiBold"/>
+              <a:sym typeface="Roboto Mono SemiBold"/>
+            </a:endParaRPr>
+          </a:p>
+        </p:txBody>
+      </p:sp>
+      <p:sp>
+        <p:nvSpPr>
+          <p:cNvPr id="97" name="Google Shape;97;p18"/>
+          <p:cNvSpPr txBox="1"/>
+          <p:nvPr>
+            <p:ph idx="1" type="body"/>
+          </p:nvPr>
+        </p:nvSpPr>
+        <p:spPr>
+          <a:xfrm>
+            <a:off x="311709" y="2117277"/>
+            <a:ext cx="8520600" cy="4562100"/>
+          </a:xfrm>
+          <a:prstGeom prst="rect">
+            <a:avLst/>
+          </a:prstGeom>
+        </p:spPr>
+        <p:txBody>
+          <a:bodyPr anchorCtr="0" anchor="ctr" bIns="91425" lIns="91425" spcFirstLastPara="1" rIns="91425" wrap="square" tIns="91425">
+            <a:normAutofit/>
+          </a:bodyPr>
+          <a:lstStyle/>
+          <a:p>
+            <a:pPr indent="0" lvl="0" marL="0" rtl="0" algn="just">
+              <a:spcBef>
+                <a:spcPts val="0"/>
+              </a:spcBef>
+              <a:spcAft>
+                <a:spcPts val="0"/>
+              </a:spcAft>
+              <a:buNone/>
+            </a:pPr>
+            <a:r>
+              <a:rPr lang="es-419" sz="1308">
+                <a:solidFill>
+                  <a:schemeClr val="lt1"/>
+                </a:solidFill>
+                <a:latin typeface="Roboto Mono"/>
+                <a:ea typeface="Roboto Mono"/>
+                <a:cs typeface="Roboto Mono"/>
+                <a:sym typeface="Roboto Mono"/>
+              </a:rPr>
+              <a:t>We get a year of information about purchases of cellphones, together with how many of those purchases has result as a fraud. The information was divided in three core databases:  </a:t>
+            </a:r>
+            <a:endParaRPr sz="1308">
+              <a:solidFill>
+                <a:schemeClr val="lt1"/>
+              </a:solidFill>
+              <a:latin typeface="Roboto Mono"/>
+              <a:ea typeface="Roboto Mono"/>
+              <a:cs typeface="Roboto Mono"/>
+              <a:sym typeface="Roboto Mono"/>
+            </a:endParaRPr>
+          </a:p>
+          <a:p>
+            <a:pPr indent="-311662" lvl="0" marL="457200" rtl="0" algn="just">
+              <a:spcBef>
+                <a:spcPts val="1200"/>
+              </a:spcBef>
+              <a:spcAft>
+                <a:spcPts val="0"/>
+              </a:spcAft>
+              <a:buClr>
+                <a:schemeClr val="lt1"/>
+              </a:buClr>
+              <a:buSzPts val="1308"/>
+              <a:buFont typeface="Roboto Mono"/>
+              <a:buChar char="●"/>
+            </a:pPr>
+            <a:r>
+              <a:rPr lang="es-419" sz="1308">
+                <a:solidFill>
+                  <a:schemeClr val="lt1"/>
+                </a:solidFill>
+                <a:latin typeface="Roboto Mono"/>
+                <a:ea typeface="Roboto Mono"/>
+                <a:cs typeface="Roboto Mono"/>
+                <a:sym typeface="Roboto Mono"/>
+              </a:rPr>
+              <a:t>Collection: which is the general information of the purchases (date, client ID, amount, purchase order, etc.) </a:t>
+            </a:r>
+            <a:endParaRPr sz="1308">
+              <a:solidFill>
+                <a:schemeClr val="lt1"/>
+              </a:solidFill>
+              <a:latin typeface="Roboto Mono"/>
+              <a:ea typeface="Roboto Mono"/>
+              <a:cs typeface="Roboto Mono"/>
+              <a:sym typeface="Roboto Mono"/>
+            </a:endParaRPr>
+          </a:p>
+          <a:p>
+            <a:pPr indent="-311662" lvl="0" marL="457200" rtl="0" algn="just">
+              <a:spcBef>
+                <a:spcPts val="0"/>
+              </a:spcBef>
+              <a:spcAft>
+                <a:spcPts val="0"/>
+              </a:spcAft>
+              <a:buClr>
+                <a:schemeClr val="lt1"/>
+              </a:buClr>
+              <a:buSzPts val="1308"/>
+              <a:buFont typeface="Roboto Mono"/>
+              <a:buChar char="●"/>
+            </a:pPr>
+            <a:r>
+              <a:rPr lang="es-419" sz="1308">
+                <a:solidFill>
+                  <a:schemeClr val="lt1"/>
+                </a:solidFill>
+                <a:latin typeface="Roboto Mono"/>
+                <a:ea typeface="Roboto Mono"/>
+                <a:cs typeface="Roboto Mono"/>
+                <a:sym typeface="Roboto Mono"/>
+              </a:rPr>
+              <a:t>Claim/Fraud: this database give us the information of purchases that result as a fraud/chargeback or have a claim by the customer. </a:t>
+            </a:r>
+            <a:endParaRPr sz="1308">
+              <a:solidFill>
+                <a:schemeClr val="lt1"/>
+              </a:solidFill>
+              <a:latin typeface="Roboto Mono"/>
+              <a:ea typeface="Roboto Mono"/>
+              <a:cs typeface="Roboto Mono"/>
+              <a:sym typeface="Roboto Mono"/>
+            </a:endParaRPr>
+          </a:p>
+          <a:p>
+            <a:pPr indent="-311662" lvl="0" marL="457200" rtl="0" algn="just">
+              <a:spcBef>
+                <a:spcPts val="0"/>
+              </a:spcBef>
+              <a:spcAft>
+                <a:spcPts val="0"/>
+              </a:spcAft>
+              <a:buClr>
+                <a:schemeClr val="lt1"/>
+              </a:buClr>
+              <a:buSzPts val="1308"/>
+              <a:buFont typeface="Roboto Mono"/>
+              <a:buChar char="●"/>
+            </a:pPr>
+            <a:r>
+              <a:rPr lang="es-419" sz="1308">
+                <a:solidFill>
+                  <a:schemeClr val="lt1"/>
+                </a:solidFill>
+                <a:latin typeface="Roboto Mono"/>
+                <a:ea typeface="Roboto Mono"/>
+                <a:cs typeface="Roboto Mono"/>
+                <a:sym typeface="Roboto Mono"/>
+              </a:rPr>
+              <a:t>Magento: the magento database gave us information regarding the products that where pruchased in each </a:t>
+            </a:r>
+            <a:r>
+              <a:rPr lang="es-419" sz="1308">
+                <a:solidFill>
+                  <a:schemeClr val="lt1"/>
+                </a:solidFill>
+                <a:latin typeface="Roboto Mono"/>
+                <a:ea typeface="Roboto Mono"/>
+                <a:cs typeface="Roboto Mono"/>
+                <a:sym typeface="Roboto Mono"/>
+              </a:rPr>
+              <a:t>purchase</a:t>
+            </a:r>
+            <a:r>
+              <a:rPr lang="es-419" sz="1308">
+                <a:solidFill>
+                  <a:schemeClr val="lt1"/>
+                </a:solidFill>
+                <a:latin typeface="Roboto Mono"/>
+                <a:ea typeface="Roboto Mono"/>
+                <a:cs typeface="Roboto Mono"/>
+                <a:sym typeface="Roboto Mono"/>
+              </a:rPr>
+              <a:t> order.</a:t>
+            </a:r>
+            <a:endParaRPr sz="1308">
+              <a:solidFill>
+                <a:schemeClr val="lt1"/>
+              </a:solidFill>
+              <a:latin typeface="Roboto Mono"/>
+              <a:ea typeface="Roboto Mono"/>
+              <a:cs typeface="Roboto Mono"/>
+              <a:sym typeface="Roboto Mono"/>
+            </a:endParaRPr>
+          </a:p>
+          <a:p>
+            <a:pPr indent="0" lvl="0" marL="0" rtl="0" algn="just">
+              <a:spcBef>
+                <a:spcPts val="1200"/>
+              </a:spcBef>
+              <a:spcAft>
+                <a:spcPts val="1200"/>
+              </a:spcAft>
+              <a:buNone/>
+            </a:pPr>
+            <a:r>
+              <a:rPr lang="es-419" sz="1308">
+                <a:solidFill>
+                  <a:schemeClr val="lt1"/>
+                </a:solidFill>
+                <a:latin typeface="Roboto Mono"/>
+                <a:ea typeface="Roboto Mono"/>
+                <a:cs typeface="Roboto Mono"/>
+                <a:sym typeface="Roboto Mono"/>
+              </a:rPr>
+              <a:t>We needed to cast most of the information due to many columns were declared as a string when the databases had other types like integers, datetime, floats, etc. Some information needed was inside of a very long string with not relevant information, so we need to use regular expression to get the information we needed such as: zipcode from the address, sku from the product, carrier, etc. Also some columns need to be splited for easy extraction of information.</a:t>
+            </a:r>
+            <a:endParaRPr sz="1308">
+              <a:solidFill>
+                <a:schemeClr val="lt1"/>
+              </a:solidFill>
+              <a:latin typeface="Roboto Mono"/>
+              <a:ea typeface="Roboto Mono"/>
+              <a:cs typeface="Roboto Mono"/>
+              <a:sym typeface="Roboto Mono"/>
+            </a:endParaRPr>
+          </a:p>
+        </p:txBody>
+      </p:sp>
+      <p:sp>
+        <p:nvSpPr>
+          <p:cNvPr id="98" name="Google Shape;98;p18"/>
+          <p:cNvSpPr txBox="1"/>
+          <p:nvPr>
+            <p:ph type="title"/>
+          </p:nvPr>
+        </p:nvSpPr>
+        <p:spPr>
+          <a:xfrm>
+            <a:off x="389077" y="1729532"/>
+            <a:ext cx="8520600" cy="763500"/>
+          </a:xfrm>
+          <a:prstGeom prst="rect">
+            <a:avLst/>
+          </a:prstGeom>
+        </p:spPr>
+        <p:txBody>
+          <a:bodyPr anchorCtr="0" anchor="b" bIns="91425" lIns="91425" spcFirstLastPara="1" rIns="91425" wrap="square" tIns="91425">
+            <a:normAutofit/>
+          </a:bodyPr>
+          <a:lstStyle/>
+          <a:p>
+            <a:pPr indent="0" lvl="0" marL="0" rtl="0" algn="l">
+              <a:spcBef>
+                <a:spcPts val="0"/>
+              </a:spcBef>
+              <a:spcAft>
+                <a:spcPts val="0"/>
+              </a:spcAft>
+              <a:buNone/>
+            </a:pPr>
+            <a:r>
+              <a:rPr lang="es-419" sz="3400">
+                <a:solidFill>
+                  <a:schemeClr val="lt1"/>
+                </a:solidFill>
+                <a:latin typeface="Roboto Mono SemiBold"/>
+                <a:ea typeface="Roboto Mono SemiBold"/>
+                <a:cs typeface="Roboto Mono SemiBold"/>
+                <a:sym typeface="Roboto Mono SemiBold"/>
+              </a:rPr>
+              <a:t>DATA EXPLORATION (2/2)</a:t>
+            </a:r>
+            <a:endParaRPr sz="3400">
+              <a:solidFill>
+                <a:schemeClr val="lt1"/>
+              </a:solidFill>
+              <a:latin typeface="Roboto Mono SemiBold"/>
+              <a:ea typeface="Roboto Mono SemiBold"/>
+              <a:cs typeface="Roboto Mono SemiBold"/>
+              <a:sym typeface="Roboto Mono SemiBold"/>
+            </a:endParaRPr>
+          </a:p>
+        </p:txBody>
+      </p:sp>
+      <p:pic>
+        <p:nvPicPr>
+          <p:cNvPr id="99" name="Google Shape;99;p18"/>
+          <p:cNvPicPr preferRelativeResize="0"/>
+          <p:nvPr/>
+        </p:nvPicPr>
+        <p:blipFill rotWithShape="1">
+          <a:blip r:embed="rId3">
+            <a:alphaModFix/>
+          </a:blip>
+          <a:srcRect b="15846" l="0" r="0" t="20177"/>
+          <a:stretch/>
+        </p:blipFill>
+        <p:spPr>
+          <a:xfrm>
+            <a:off x="0" y="0"/>
+            <a:ext cx="9144000" cy="1542455"/>
+          </a:xfrm>
+          <a:prstGeom prst="rect">
+            <a:avLst/>
+          </a:prstGeom>
+          <a:noFill/>
+          <a:ln>
+            <a:noFill/>
+          </a:ln>
+        </p:spPr>
+      </p:pic>
+    </p:spTree>
+  </p:cSld>
+  <p:clrMapOvr>
+    <a:masterClrMapping/>
+  </p:clrMapOvr>
+</p:sld>
+</file>
+
+<file path=ppt/slides/slide7.xml><?xml version="1.0" encoding="utf-8"?>
+<p:sld xmlns:a="http://schemas.openxmlformats.org/drawingml/2006/main" xmlns:r="http://schemas.openxmlformats.org/officeDocument/2006/relationships" xmlns:mc="http://schemas.openxmlformats.org/markup-compatibility/2006" xmlns:mv="urn:schemas-microsoft-com:mac:vml" xmlns:p="http://schemas.openxmlformats.org/presentationml/2006/main" xmlns:c="http://schemas.openxmlformats.org/drawingml/2006/chart" xmlns:dgm="http://schemas.openxmlformats.org/drawingml/2006/diagram" xmlns:o="urn:schemas-microsoft-com:office:office" xmlns:v="urn:schemas-microsoft-com:vml" xmlns:pvml="urn:schemas-microsoft-com:office:powerpoint" xmlns:com="http://schemas.openxmlformats.org/drawingml/2006/compatibility" xmlns:p14="http://schemas.microsoft.com/office/powerpoint/2010/main" xmlns:p15="http://schemas.microsoft.com/office/powerpoint/2012/main" xmlns:ahyp="http://schemas.microsoft.com/office/drawing/2018/hyperlinkcolor">
+  <p:cSld>
+    <p:bg>
+      <p:bgPr>
+        <a:solidFill>
+          <a:srgbClr val="121212"/>
+        </a:solidFill>
+      </p:bgPr>
+    </p:bg>
+    <p:spTree>
+      <p:nvGrpSpPr>
+        <p:cNvPr id="103" name="Shape 103"/>
+        <p:cNvGrpSpPr/>
+        <p:nvPr/>
+      </p:nvGrpSpPr>
+      <p:grpSpPr>
+        <a:xfrm>
+          <a:off x="0" y="0"/>
+          <a:ext cx="0" cy="0"/>
+          <a:chOff x="0" y="0"/>
+          <a:chExt cx="0" cy="0"/>
+        </a:xfrm>
+      </p:grpSpPr>
+      <p:sp>
+        <p:nvSpPr>
+          <p:cNvPr id="104" name="Google Shape;104;p19"/>
+          <p:cNvSpPr txBox="1"/>
+          <p:nvPr>
+            <p:ph type="title"/>
+          </p:nvPr>
+        </p:nvSpPr>
+        <p:spPr>
+          <a:xfrm>
+            <a:off x="311709" y="1729532"/>
+            <a:ext cx="9144000" cy="763500"/>
+          </a:xfrm>
+          <a:prstGeom prst="rect">
+            <a:avLst/>
+          </a:prstGeom>
+        </p:spPr>
+        <p:txBody>
+          <a:bodyPr anchorCtr="0" anchor="b" bIns="91425" lIns="91425" spcFirstLastPara="1" rIns="91425" wrap="square" tIns="91425">
+            <a:normAutofit/>
+          </a:bodyPr>
+          <a:lstStyle/>
+          <a:p>
+            <a:pPr indent="0" lvl="0" marL="0" rtl="0" algn="l">
+              <a:spcBef>
+                <a:spcPts val="0"/>
+              </a:spcBef>
+              <a:spcAft>
+                <a:spcPts val="0"/>
+              </a:spcAft>
+              <a:buNone/>
+            </a:pPr>
+            <a:r>
+              <a:rPr lang="es-419" sz="3400">
+                <a:solidFill>
+                  <a:srgbClr val="FF0000"/>
+                </a:solidFill>
+                <a:latin typeface="Roboto Mono SemiBold"/>
+                <a:ea typeface="Roboto Mono SemiBold"/>
+                <a:cs typeface="Roboto Mono SemiBold"/>
+                <a:sym typeface="Roboto Mono SemiBold"/>
+              </a:rPr>
+              <a:t>DATA EXPLORATION</a:t>
+            </a:r>
+            <a:endParaRPr sz="3400">
+              <a:solidFill>
+                <a:srgbClr val="FF0000"/>
+              </a:solidFill>
+              <a:latin typeface="Roboto Mono SemiBold"/>
+              <a:ea typeface="Roboto Mono SemiBold"/>
+              <a:cs typeface="Roboto Mono SemiBold"/>
+              <a:sym typeface="Roboto Mono SemiBold"/>
+            </a:endParaRPr>
+          </a:p>
+        </p:txBody>
+      </p:sp>
+      <p:sp>
+        <p:nvSpPr>
+          <p:cNvPr id="105" name="Google Shape;105;p19"/>
+          <p:cNvSpPr txBox="1"/>
+          <p:nvPr>
+            <p:ph idx="1" type="body"/>
+          </p:nvPr>
+        </p:nvSpPr>
+        <p:spPr>
+          <a:xfrm>
+            <a:off x="311709" y="2117277"/>
+            <a:ext cx="8520600" cy="4562100"/>
+          </a:xfrm>
+          <a:prstGeom prst="rect">
+            <a:avLst/>
+          </a:prstGeom>
+        </p:spPr>
+        <p:txBody>
+          <a:bodyPr anchorCtr="0" anchor="ctr" bIns="91425" lIns="91425" spcFirstLastPara="1" rIns="91425" wrap="square" tIns="91425">
+            <a:normAutofit/>
+          </a:bodyPr>
+          <a:lstStyle/>
+          <a:p>
+            <a:pPr indent="0" lvl="0" marL="0" rtl="0" algn="just">
+              <a:spcBef>
+                <a:spcPts val="0"/>
+              </a:spcBef>
+              <a:spcAft>
+                <a:spcPts val="0"/>
+              </a:spcAft>
+              <a:buNone/>
+            </a:pPr>
+            <a:r>
+              <a:rPr lang="es-419" sz="1308">
+                <a:solidFill>
+                  <a:schemeClr val="lt1"/>
+                </a:solidFill>
+                <a:latin typeface="Roboto Mono"/>
+                <a:ea typeface="Roboto Mono"/>
+                <a:cs typeface="Roboto Mono"/>
+                <a:sym typeface="Roboto Mono"/>
+              </a:rPr>
+              <a:t>We define new columns with the information we needed of each dataset, and at the end we merge the three different data sets in just one table called "Whole_Collection", we will use this database to create the machine learning module.</a:t>
+            </a:r>
+            <a:endParaRPr sz="1308">
+              <a:solidFill>
+                <a:schemeClr val="lt1"/>
+              </a:solidFill>
+              <a:latin typeface="Roboto Mono"/>
+              <a:ea typeface="Roboto Mono"/>
+              <a:cs typeface="Roboto Mono"/>
+              <a:sym typeface="Roboto Mono"/>
+            </a:endParaRPr>
+          </a:p>
+          <a:p>
+            <a:pPr indent="0" lvl="0" marL="0" rtl="0" algn="just">
+              <a:spcBef>
+                <a:spcPts val="1200"/>
+              </a:spcBef>
+              <a:spcAft>
+                <a:spcPts val="0"/>
+              </a:spcAft>
+              <a:buNone/>
+            </a:pPr>
+            <a:r>
+              <a:rPr lang="es-419" sz="1308">
+                <a:solidFill>
+                  <a:schemeClr val="lt1"/>
+                </a:solidFill>
+                <a:latin typeface="Roboto Mono"/>
+                <a:ea typeface="Roboto Mono"/>
+                <a:cs typeface="Roboto Mono"/>
+                <a:sym typeface="Roboto Mono"/>
+              </a:rPr>
+              <a:t>We needed to merge the "Whole_Collection" table with a table of postal codes that we obtained via SEPOMEX; the name of this second table as "CPs_Geometry". Once we get both tables, these two were uploaded to AWS to have them availables.  </a:t>
+            </a:r>
+            <a:endParaRPr sz="1308">
+              <a:solidFill>
+                <a:schemeClr val="lt1"/>
+              </a:solidFill>
+              <a:latin typeface="Roboto Mono"/>
+              <a:ea typeface="Roboto Mono"/>
+              <a:cs typeface="Roboto Mono"/>
+              <a:sym typeface="Roboto Mono"/>
+            </a:endParaRPr>
+          </a:p>
+          <a:p>
+            <a:pPr indent="0" lvl="0" marL="0" rtl="0" algn="just">
+              <a:spcBef>
+                <a:spcPts val="1200"/>
+              </a:spcBef>
+              <a:spcAft>
+                <a:spcPts val="0"/>
+              </a:spcAft>
+              <a:buNone/>
+            </a:pPr>
+            <a:r>
+              <a:rPr lang="es-419" sz="1308">
+                <a:solidFill>
+                  <a:schemeClr val="lt1"/>
+                </a:solidFill>
+                <a:latin typeface="Roboto Mono"/>
+                <a:ea typeface="Roboto Mono"/>
+                <a:cs typeface="Roboto Mono"/>
+                <a:sym typeface="Roboto Mono"/>
+              </a:rPr>
+              <a:t>The merge will be used for the visualization: this will give us visibility regarding where the purchases were made and found a tendency to corroborate with the machine learning model. The merge have been performed via colab and with the help of pyspark.sql funcitons.</a:t>
+            </a:r>
+            <a:endParaRPr sz="1308">
+              <a:solidFill>
+                <a:schemeClr val="lt1"/>
+              </a:solidFill>
+              <a:latin typeface="Roboto Mono"/>
+              <a:ea typeface="Roboto Mono"/>
+              <a:cs typeface="Roboto Mono"/>
+              <a:sym typeface="Roboto Mono"/>
+            </a:endParaRPr>
+          </a:p>
+          <a:p>
+            <a:pPr indent="0" lvl="0" marL="0" rtl="0" algn="just">
+              <a:spcBef>
+                <a:spcPts val="1200"/>
+              </a:spcBef>
+              <a:spcAft>
+                <a:spcPts val="1200"/>
+              </a:spcAft>
+              <a:buNone/>
+            </a:pPr>
+            <a:r>
+              <a:rPr lang="es-419" sz="1308">
+                <a:solidFill>
+                  <a:schemeClr val="lt1"/>
+                </a:solidFill>
+                <a:latin typeface="Roboto Mono"/>
+                <a:ea typeface="Roboto Mono"/>
+                <a:cs typeface="Roboto Mono"/>
+                <a:sym typeface="Roboto Mono"/>
+              </a:rPr>
+              <a:t>The last table obtained by this merge will be called "whole_collection_geom" and this will be storage in a AWS database and in a bucket to be available for the visibility, as well as in postgres for any analysis needed.</a:t>
+            </a:r>
+            <a:endParaRPr sz="1308">
+              <a:solidFill>
+                <a:schemeClr val="lt1"/>
+              </a:solidFill>
+              <a:latin typeface="Roboto Mono"/>
+              <a:ea typeface="Roboto Mono"/>
+              <a:cs typeface="Roboto Mono"/>
+              <a:sym typeface="Roboto Mono"/>
+            </a:endParaRPr>
+          </a:p>
+        </p:txBody>
+      </p:sp>
+      <p:sp>
+        <p:nvSpPr>
+          <p:cNvPr id="106" name="Google Shape;106;p19"/>
+          <p:cNvSpPr txBox="1"/>
+          <p:nvPr>
+            <p:ph type="title"/>
+          </p:nvPr>
+        </p:nvSpPr>
+        <p:spPr>
+          <a:xfrm>
+            <a:off x="389077" y="1729532"/>
+            <a:ext cx="8520600" cy="763500"/>
+          </a:xfrm>
+          <a:prstGeom prst="rect">
+            <a:avLst/>
+          </a:prstGeom>
+        </p:spPr>
+        <p:txBody>
+          <a:bodyPr anchorCtr="0" anchor="b" bIns="91425" lIns="91425" spcFirstLastPara="1" rIns="91425" wrap="square" tIns="91425">
+            <a:normAutofit/>
+          </a:bodyPr>
+          <a:lstStyle/>
+          <a:p>
+            <a:pPr indent="0" lvl="0" marL="0" rtl="0" algn="l">
+              <a:spcBef>
+                <a:spcPts val="0"/>
+              </a:spcBef>
+              <a:spcAft>
+                <a:spcPts val="0"/>
+              </a:spcAft>
+              <a:buNone/>
+            </a:pPr>
+            <a:r>
+              <a:rPr lang="es-419" sz="3400">
+                <a:solidFill>
+                  <a:schemeClr val="lt1"/>
+                </a:solidFill>
+                <a:latin typeface="Roboto Mono SemiBold"/>
+                <a:ea typeface="Roboto Mono SemiBold"/>
+                <a:cs typeface="Roboto Mono SemiBold"/>
+                <a:sym typeface="Roboto Mono SemiBold"/>
+              </a:rPr>
+              <a:t>DATA EXPLORATION (2/2)</a:t>
+            </a:r>
+            <a:endParaRPr sz="3400">
+              <a:solidFill>
+                <a:schemeClr val="lt1"/>
+              </a:solidFill>
+              <a:latin typeface="Roboto Mono SemiBold"/>
+              <a:ea typeface="Roboto Mono SemiBold"/>
+              <a:cs typeface="Roboto Mono SemiBold"/>
+              <a:sym typeface="Roboto Mono SemiBold"/>
+            </a:endParaRPr>
+          </a:p>
+        </p:txBody>
+      </p:sp>
+      <p:pic>
+        <p:nvPicPr>
+          <p:cNvPr id="107" name="Google Shape;107;p19"/>
+          <p:cNvPicPr preferRelativeResize="0"/>
+          <p:nvPr/>
+        </p:nvPicPr>
+        <p:blipFill rotWithShape="1">
+          <a:blip r:embed="rId3">
+            <a:alphaModFix/>
+          </a:blip>
+          <a:srcRect b="15846" l="0" r="0" t="20177"/>
+          <a:stretch/>
+        </p:blipFill>
+        <p:spPr>
+          <a:xfrm>
+            <a:off x="0" y="0"/>
+            <a:ext cx="9144000" cy="1542455"/>
+          </a:xfrm>
+          <a:prstGeom prst="rect">
+            <a:avLst/>
+          </a:prstGeom>
+          <a:noFill/>
+          <a:ln>
+            <a:noFill/>
+          </a:ln>
+        </p:spPr>
+      </p:pic>
+    </p:spTree>
+  </p:cSld>
+  <p:clrMapOvr>
+    <a:masterClrMapping/>
+  </p:clrMapOvr>
+</p:sld>
+</file>
+
+<file path=ppt/slides/slide8.xml><?xml version="1.0" encoding="utf-8"?>
+<p:sld xmlns:a="http://schemas.openxmlformats.org/drawingml/2006/main" xmlns:r="http://schemas.openxmlformats.org/officeDocument/2006/relationships" xmlns:mc="http://schemas.openxmlformats.org/markup-compatibility/2006" xmlns:mv="urn:schemas-microsoft-com:mac:vml" xmlns:p="http://schemas.openxmlformats.org/presentationml/2006/main" xmlns:c="http://schemas.openxmlformats.org/drawingml/2006/chart" xmlns:dgm="http://schemas.openxmlformats.org/drawingml/2006/diagram" xmlns:o="urn:schemas-microsoft-com:office:office" xmlns:v="urn:schemas-microsoft-com:vml" xmlns:pvml="urn:schemas-microsoft-com:office:powerpoint" xmlns:com="http://schemas.openxmlformats.org/drawingml/2006/compatibility" xmlns:p14="http://schemas.microsoft.com/office/powerpoint/2010/main" xmlns:p15="http://schemas.microsoft.com/office/powerpoint/2012/main" xmlns:ahyp="http://schemas.microsoft.com/office/drawing/2018/hyperlinkcolor">
+  <p:cSld>
+    <p:bg>
+      <p:bgPr>
+        <a:solidFill>
+          <a:srgbClr val="121212"/>
+        </a:solidFill>
+      </p:bgPr>
+    </p:bg>
+    <p:spTree>
+      <p:nvGrpSpPr>
+        <p:cNvPr id="111" name="Shape 111"/>
+        <p:cNvGrpSpPr/>
+        <p:nvPr/>
+      </p:nvGrpSpPr>
+      <p:grpSpPr>
+        <a:xfrm>
+          <a:off x="0" y="0"/>
+          <a:ext cx="0" cy="0"/>
+          <a:chOff x="0" y="0"/>
+          <a:chExt cx="0" cy="0"/>
+        </a:xfrm>
+      </p:grpSpPr>
+      <p:sp>
+        <p:nvSpPr>
+          <p:cNvPr id="112" name="Google Shape;112;p20"/>
+          <p:cNvSpPr txBox="1"/>
+          <p:nvPr>
+            <p:ph type="title"/>
+          </p:nvPr>
+        </p:nvSpPr>
+        <p:spPr>
+          <a:xfrm>
+            <a:off x="311709" y="1729532"/>
+            <a:ext cx="9144000" cy="763500"/>
+          </a:xfrm>
+          <a:prstGeom prst="rect">
+            <a:avLst/>
+          </a:prstGeom>
+        </p:spPr>
+        <p:txBody>
+          <a:bodyPr anchorCtr="0" anchor="b" bIns="91425" lIns="91425" spcFirstLastPara="1" rIns="91425" wrap="square" tIns="91425">
+            <a:normAutofit/>
+          </a:bodyPr>
+          <a:lstStyle/>
+          <a:p>
+            <a:pPr indent="0" lvl="0" marL="0" rtl="0" algn="l">
+              <a:spcBef>
+                <a:spcPts val="0"/>
+              </a:spcBef>
+              <a:spcAft>
+                <a:spcPts val="0"/>
+              </a:spcAft>
+              <a:buNone/>
+            </a:pPr>
+            <a:r>
+              <a:rPr lang="es-419" sz="3400">
+                <a:solidFill>
+                  <a:srgbClr val="FF0000"/>
+                </a:solidFill>
+                <a:latin typeface="Roboto Mono SemiBold"/>
+                <a:ea typeface="Roboto Mono SemiBold"/>
+                <a:cs typeface="Roboto Mono SemiBold"/>
+                <a:sym typeface="Roboto Mono SemiBold"/>
+              </a:rPr>
+              <a:t>DATA ANALYSIS</a:t>
+            </a:r>
+            <a:endParaRPr sz="3400">
+              <a:solidFill>
+                <a:srgbClr val="FF0000"/>
+              </a:solidFill>
+              <a:latin typeface="Roboto Mono SemiBold"/>
+              <a:ea typeface="Roboto Mono SemiBold"/>
+              <a:cs typeface="Roboto Mono SemiBold"/>
+              <a:sym typeface="Roboto Mono SemiBold"/>
+            </a:endParaRPr>
+          </a:p>
+        </p:txBody>
+      </p:sp>
+      <p:sp>
+        <p:nvSpPr>
+          <p:cNvPr id="113" name="Google Shape;113;p20"/>
+          <p:cNvSpPr txBox="1"/>
+          <p:nvPr>
+            <p:ph idx="1" type="body"/>
+          </p:nvPr>
+        </p:nvSpPr>
+        <p:spPr>
+          <a:xfrm>
+            <a:off x="311709" y="2117277"/>
+            <a:ext cx="8520600" cy="4562100"/>
+          </a:xfrm>
+          <a:prstGeom prst="rect">
+            <a:avLst/>
+          </a:prstGeom>
+        </p:spPr>
+        <p:txBody>
+          <a:bodyPr anchorCtr="0" anchor="ctr" bIns="91425" lIns="91425" spcFirstLastPara="1" rIns="91425" wrap="square" tIns="91425">
+            <a:normAutofit/>
+          </a:bodyPr>
+          <a:lstStyle/>
+          <a:p>
+            <a:pPr indent="0" lvl="0" marL="0" rtl="0" algn="just">
+              <a:spcBef>
+                <a:spcPts val="0"/>
+              </a:spcBef>
+              <a:spcAft>
+                <a:spcPts val="0"/>
+              </a:spcAft>
+              <a:buNone/>
+            </a:pPr>
+            <a:r>
+              <a:rPr lang="es-419" sz="1408">
+                <a:solidFill>
+                  <a:schemeClr val="lt1"/>
+                </a:solidFill>
+                <a:latin typeface="Roboto Mono"/>
+                <a:ea typeface="Roboto Mono"/>
+                <a:cs typeface="Roboto Mono"/>
+                <a:sym typeface="Roboto Mono"/>
+              </a:rPr>
+              <a:t>We decided to try Random Forest, after all it is an improvement on how decision tree model works.  The main reasons for this decision are:  Random forest algorithms: </a:t>
+            </a:r>
+            <a:endParaRPr sz="1408">
+              <a:solidFill>
+                <a:schemeClr val="lt1"/>
+              </a:solidFill>
+              <a:latin typeface="Roboto Mono"/>
+              <a:ea typeface="Roboto Mono"/>
+              <a:cs typeface="Roboto Mono"/>
+              <a:sym typeface="Roboto Mono"/>
+            </a:endParaRPr>
+          </a:p>
+          <a:p>
+            <a:pPr indent="-318012" lvl="0" marL="457200" rtl="0" algn="just">
+              <a:spcBef>
+                <a:spcPts val="1200"/>
+              </a:spcBef>
+              <a:spcAft>
+                <a:spcPts val="0"/>
+              </a:spcAft>
+              <a:buClr>
+                <a:schemeClr val="lt1"/>
+              </a:buClr>
+              <a:buSzPts val="1408"/>
+              <a:buFont typeface="Roboto Mono"/>
+              <a:buChar char="●"/>
+            </a:pPr>
+            <a:r>
+              <a:rPr lang="es-419" sz="1408">
+                <a:solidFill>
+                  <a:schemeClr val="lt1"/>
+                </a:solidFill>
+                <a:latin typeface="Roboto Mono"/>
+                <a:ea typeface="Roboto Mono"/>
+                <a:cs typeface="Roboto Mono"/>
+                <a:sym typeface="Roboto Mono"/>
+              </a:rPr>
+              <a:t>Are robust against overfitting as all of those weak learners are trained on different pieces of the data. </a:t>
+            </a:r>
+            <a:endParaRPr sz="1408">
+              <a:solidFill>
+                <a:schemeClr val="lt1"/>
+              </a:solidFill>
+              <a:latin typeface="Roboto Mono"/>
+              <a:ea typeface="Roboto Mono"/>
+              <a:cs typeface="Roboto Mono"/>
+              <a:sym typeface="Roboto Mono"/>
+            </a:endParaRPr>
+          </a:p>
+          <a:p>
+            <a:pPr indent="-318012" lvl="0" marL="457200" rtl="0" algn="just">
+              <a:spcBef>
+                <a:spcPts val="0"/>
+              </a:spcBef>
+              <a:spcAft>
+                <a:spcPts val="0"/>
+              </a:spcAft>
+              <a:buClr>
+                <a:schemeClr val="lt1"/>
+              </a:buClr>
+              <a:buSzPts val="1408"/>
+              <a:buFont typeface="Roboto Mono"/>
+              <a:buChar char="●"/>
+            </a:pPr>
+            <a:r>
+              <a:rPr lang="es-419" sz="1408">
+                <a:solidFill>
+                  <a:schemeClr val="lt1"/>
+                </a:solidFill>
+                <a:latin typeface="Roboto Mono"/>
+                <a:ea typeface="Roboto Mono"/>
+                <a:cs typeface="Roboto Mono"/>
+                <a:sym typeface="Roboto Mono"/>
+              </a:rPr>
+              <a:t>Can be used to rank the importance of input variables in a natural way. </a:t>
+            </a:r>
+            <a:endParaRPr sz="1408">
+              <a:solidFill>
+                <a:schemeClr val="lt1"/>
+              </a:solidFill>
+              <a:latin typeface="Roboto Mono"/>
+              <a:ea typeface="Roboto Mono"/>
+              <a:cs typeface="Roboto Mono"/>
+              <a:sym typeface="Roboto Mono"/>
+            </a:endParaRPr>
+          </a:p>
+          <a:p>
+            <a:pPr indent="-318012" lvl="0" marL="457200" rtl="0" algn="just">
+              <a:spcBef>
+                <a:spcPts val="0"/>
+              </a:spcBef>
+              <a:spcAft>
+                <a:spcPts val="0"/>
+              </a:spcAft>
+              <a:buClr>
+                <a:schemeClr val="lt1"/>
+              </a:buClr>
+              <a:buSzPts val="1408"/>
+              <a:buFont typeface="Roboto Mono"/>
+              <a:buChar char="●"/>
+            </a:pPr>
+            <a:r>
+              <a:rPr lang="es-419" sz="1408">
+                <a:solidFill>
+                  <a:schemeClr val="lt1"/>
+                </a:solidFill>
+                <a:latin typeface="Roboto Mono"/>
+                <a:ea typeface="Roboto Mono"/>
+                <a:cs typeface="Roboto Mono"/>
+                <a:sym typeface="Roboto Mono"/>
+              </a:rPr>
+              <a:t>Can handle thousands of input variables without variable deletion. </a:t>
+            </a:r>
+            <a:endParaRPr sz="1408">
+              <a:solidFill>
+                <a:schemeClr val="lt1"/>
+              </a:solidFill>
+              <a:latin typeface="Roboto Mono"/>
+              <a:ea typeface="Roboto Mono"/>
+              <a:cs typeface="Roboto Mono"/>
+              <a:sym typeface="Roboto Mono"/>
+            </a:endParaRPr>
+          </a:p>
+          <a:p>
+            <a:pPr indent="-318012" lvl="0" marL="457200" rtl="0" algn="just">
+              <a:spcBef>
+                <a:spcPts val="0"/>
+              </a:spcBef>
+              <a:spcAft>
+                <a:spcPts val="0"/>
+              </a:spcAft>
+              <a:buClr>
+                <a:schemeClr val="lt1"/>
+              </a:buClr>
+              <a:buSzPts val="1408"/>
+              <a:buFont typeface="Roboto Mono"/>
+              <a:buChar char="●"/>
+            </a:pPr>
+            <a:r>
+              <a:rPr lang="es-419" sz="1408">
+                <a:solidFill>
+                  <a:schemeClr val="lt1"/>
+                </a:solidFill>
+                <a:latin typeface="Roboto Mono"/>
+                <a:ea typeface="Roboto Mono"/>
+                <a:cs typeface="Roboto Mono"/>
+                <a:sym typeface="Roboto Mono"/>
+              </a:rPr>
+              <a:t>Are robust to outliers and nonlinear data. </a:t>
+            </a:r>
+            <a:endParaRPr sz="1408">
+              <a:solidFill>
+                <a:schemeClr val="lt1"/>
+              </a:solidFill>
+              <a:latin typeface="Roboto Mono"/>
+              <a:ea typeface="Roboto Mono"/>
+              <a:cs typeface="Roboto Mono"/>
+              <a:sym typeface="Roboto Mono"/>
+            </a:endParaRPr>
+          </a:p>
+          <a:p>
+            <a:pPr indent="-318012" lvl="0" marL="457200" rtl="0" algn="just">
+              <a:spcBef>
+                <a:spcPts val="0"/>
+              </a:spcBef>
+              <a:spcAft>
+                <a:spcPts val="0"/>
+              </a:spcAft>
+              <a:buClr>
+                <a:schemeClr val="lt1"/>
+              </a:buClr>
+              <a:buSzPts val="1408"/>
+              <a:buFont typeface="Roboto Mono"/>
+              <a:buChar char="●"/>
+            </a:pPr>
+            <a:r>
+              <a:rPr lang="es-419" sz="1408">
+                <a:solidFill>
+                  <a:schemeClr val="lt1"/>
+                </a:solidFill>
+                <a:latin typeface="Roboto Mono"/>
+                <a:ea typeface="Roboto Mono"/>
+                <a:cs typeface="Roboto Mono"/>
+                <a:sym typeface="Roboto Mono"/>
+              </a:rPr>
+              <a:t>Run efficiently on large datasets.</a:t>
+            </a:r>
+            <a:endParaRPr sz="1408">
+              <a:solidFill>
+                <a:schemeClr val="lt1"/>
+              </a:solidFill>
+              <a:latin typeface="Roboto Mono"/>
+              <a:ea typeface="Roboto Mono"/>
+              <a:cs typeface="Roboto Mono"/>
+              <a:sym typeface="Roboto Mono"/>
+            </a:endParaRPr>
+          </a:p>
+          <a:p>
+            <a:pPr indent="0" lvl="0" marL="0" rtl="0" algn="just">
+              <a:spcBef>
+                <a:spcPts val="1200"/>
+              </a:spcBef>
+              <a:spcAft>
+                <a:spcPts val="1200"/>
+              </a:spcAft>
+              <a:buNone/>
+            </a:pPr>
+            <a:r>
+              <a:rPr lang="es-419" sz="1408">
+                <a:solidFill>
+                  <a:schemeClr val="lt1"/>
+                </a:solidFill>
+                <a:latin typeface="Roboto Mono"/>
+                <a:ea typeface="Roboto Mono"/>
+                <a:cs typeface="Roboto Mono"/>
+                <a:sym typeface="Roboto Mono"/>
+              </a:rPr>
+              <a:t>We ran the model with 500 n_estimators which are the number of trees that were created by the algorithm. Generally, the higher number makes the predictions stronger and more stable, but can slow down the output because of the higher training time allocated. So for this test we decided to go with 500 and didn't take much time.</a:t>
+            </a:r>
+            <a:endParaRPr sz="1408">
+              <a:solidFill>
+                <a:schemeClr val="lt1"/>
+              </a:solidFill>
+              <a:latin typeface="Roboto Mono"/>
+              <a:ea typeface="Roboto Mono"/>
+              <a:cs typeface="Roboto Mono"/>
+              <a:sym typeface="Roboto Mono"/>
+            </a:endParaRPr>
+          </a:p>
+        </p:txBody>
+      </p:sp>
+      <p:sp>
+        <p:nvSpPr>
+          <p:cNvPr id="114" name="Google Shape;114;p20"/>
+          <p:cNvSpPr txBox="1"/>
+          <p:nvPr>
+            <p:ph type="title"/>
+          </p:nvPr>
+        </p:nvSpPr>
+        <p:spPr>
+          <a:xfrm>
+            <a:off x="389077" y="1729532"/>
+            <a:ext cx="8520600" cy="763500"/>
+          </a:xfrm>
+          <a:prstGeom prst="rect">
+            <a:avLst/>
+          </a:prstGeom>
+        </p:spPr>
+        <p:txBody>
+          <a:bodyPr anchorCtr="0" anchor="b" bIns="91425" lIns="91425" spcFirstLastPara="1" rIns="91425" wrap="square" tIns="91425">
+            <a:normAutofit/>
+          </a:bodyPr>
+          <a:lstStyle/>
+          <a:p>
+            <a:pPr indent="0" lvl="0" marL="0" rtl="0" algn="l">
+              <a:spcBef>
+                <a:spcPts val="0"/>
+              </a:spcBef>
+              <a:spcAft>
+                <a:spcPts val="0"/>
+              </a:spcAft>
+              <a:buNone/>
+            </a:pPr>
+            <a:r>
+              <a:rPr lang="es-419" sz="3400">
+                <a:solidFill>
+                  <a:schemeClr val="lt1"/>
+                </a:solidFill>
+                <a:latin typeface="Roboto Mono SemiBold"/>
+                <a:ea typeface="Roboto Mono SemiBold"/>
+                <a:cs typeface="Roboto Mono SemiBold"/>
+                <a:sym typeface="Roboto Mono SemiBold"/>
+              </a:rPr>
+              <a:t>DATA ANALYSIS</a:t>
+            </a:r>
+            <a:endParaRPr sz="3400">
+              <a:solidFill>
+                <a:schemeClr val="lt1"/>
+              </a:solidFill>
+              <a:latin typeface="Roboto Mono SemiBold"/>
+              <a:ea typeface="Roboto Mono SemiBold"/>
+              <a:cs typeface="Roboto Mono SemiBold"/>
+              <a:sym typeface="Roboto Mono SemiBold"/>
+            </a:endParaRPr>
+          </a:p>
+        </p:txBody>
+      </p:sp>
+      <p:pic>
+        <p:nvPicPr>
+          <p:cNvPr id="115" name="Google Shape;115;p20"/>
+          <p:cNvPicPr preferRelativeResize="0"/>
+          <p:nvPr/>
+        </p:nvPicPr>
+        <p:blipFill rotWithShape="1">
+          <a:blip r:embed="rId3">
+            <a:alphaModFix/>
+          </a:blip>
+          <a:srcRect b="15846" l="0" r="0" t="20177"/>
+          <a:stretch/>
+        </p:blipFill>
+        <p:spPr>
+          <a:xfrm>
+            <a:off x="0" y="0"/>
+            <a:ext cx="9144000" cy="1542455"/>
+          </a:xfrm>
+          <a:prstGeom prst="rect">
+            <a:avLst/>
+          </a:prstGeom>
+          <a:noFill/>
+          <a:ln>
+            <a:noFill/>
+          </a:ln>
+        </p:spPr>
+      </p:pic>
+    </p:spTree>
+  </p:cSld>
+  <p:clrMapOvr>
+    <a:masterClrMapping/>
+  </p:clrMapOvr>
+</p:sld>
+</file>
+
+<file path=ppt/slides/slide9.xml><?xml version="1.0" encoding="utf-8"?>
+<p:sld xmlns:a="http://schemas.openxmlformats.org/drawingml/2006/main" xmlns:r="http://schemas.openxmlformats.org/officeDocument/2006/relationships" xmlns:mc="http://schemas.openxmlformats.org/markup-compatibility/2006" xmlns:mv="urn:schemas-microsoft-com:mac:vml" xmlns:p="http://schemas.openxmlformats.org/presentationml/2006/main" xmlns:c="http://schemas.openxmlformats.org/drawingml/2006/chart" xmlns:dgm="http://schemas.openxmlformats.org/drawingml/2006/diagram" xmlns:o="urn:schemas-microsoft-com:office:office" xmlns:v="urn:schemas-microsoft-com:vml" xmlns:pvml="urn:schemas-microsoft-com:office:powerpoint" xmlns:com="http://schemas.openxmlformats.org/drawingml/2006/compatibility" xmlns:p14="http://schemas.microsoft.com/office/powerpoint/2010/main" xmlns:p15="http://schemas.microsoft.com/office/powerpoint/2012/main" xmlns:ahyp="http://schemas.microsoft.com/office/drawing/2018/hyperlinkcolor">
+  <p:cSld>
+    <p:bg>
+      <p:bgPr>
+        <a:solidFill>
+          <a:srgbClr val="121212"/>
+        </a:solidFill>
+      </p:bgPr>
+    </p:bg>
+    <p:spTree>
+      <p:nvGrpSpPr>
+        <p:cNvPr id="119" name="Shape 119"/>
+        <p:cNvGrpSpPr/>
+        <p:nvPr/>
+      </p:nvGrpSpPr>
+      <p:grpSpPr>
+        <a:xfrm>
+          <a:off x="0" y="0"/>
+          <a:ext cx="0" cy="0"/>
+          <a:chOff x="0" y="0"/>
+          <a:chExt cx="0" cy="0"/>
+        </a:xfrm>
+      </p:grpSpPr>
+      <p:sp>
+        <p:nvSpPr>
+          <p:cNvPr id="120" name="Google Shape;120;p21"/>
+          <p:cNvSpPr txBox="1"/>
+          <p:nvPr>
+            <p:ph type="title"/>
+          </p:nvPr>
+        </p:nvSpPr>
+        <p:spPr>
+          <a:xfrm>
+            <a:off x="311709" y="1729532"/>
+            <a:ext cx="9144000" cy="763500"/>
+          </a:xfrm>
+          <a:prstGeom prst="rect">
+            <a:avLst/>
+          </a:prstGeom>
+        </p:spPr>
+        <p:txBody>
+          <a:bodyPr anchorCtr="0" anchor="b" bIns="91425" lIns="91425" spcFirstLastPara="1" rIns="91425" wrap="square" tIns="91425">
+            <a:normAutofit/>
+          </a:bodyPr>
+          <a:lstStyle/>
+          <a:p>
+            <a:pPr indent="0" lvl="0" marL="0" rtl="0" algn="l">
+              <a:spcBef>
+                <a:spcPts val="0"/>
+              </a:spcBef>
+              <a:spcAft>
+                <a:spcPts val="0"/>
+              </a:spcAft>
+              <a:buNone/>
+            </a:pPr>
+            <a:r>
+              <a:rPr lang="es-419" sz="3400">
+                <a:solidFill>
+                  <a:srgbClr val="FF0000"/>
+                </a:solidFill>
+                <a:latin typeface="Roboto Mono SemiBold"/>
+                <a:ea typeface="Roboto Mono SemiBold"/>
+                <a:cs typeface="Roboto Mono SemiBold"/>
+                <a:sym typeface="Roboto Mono SemiBold"/>
+              </a:rPr>
+              <a:t>TECHNOLOGIES</a:t>
+            </a:r>
+            <a:endParaRPr sz="3400">
+              <a:solidFill>
+                <a:srgbClr val="FF0000"/>
+              </a:solidFill>
+              <a:latin typeface="Roboto Mono SemiBold"/>
+              <a:ea typeface="Roboto Mono SemiBold"/>
+              <a:cs typeface="Roboto Mono SemiBold"/>
+              <a:sym typeface="Roboto Mono SemiBold"/>
+            </a:endParaRPr>
+          </a:p>
+        </p:txBody>
+      </p:sp>
+      <p:sp>
+        <p:nvSpPr>
+          <p:cNvPr id="121" name="Google Shape;121;p21"/>
+          <p:cNvSpPr txBox="1"/>
+          <p:nvPr>
+            <p:ph type="title"/>
+          </p:nvPr>
+        </p:nvSpPr>
+        <p:spPr>
+          <a:xfrm>
+            <a:off x="389077" y="1729532"/>
+            <a:ext cx="8520600" cy="763500"/>
+          </a:xfrm>
+          <a:prstGeom prst="rect">
+            <a:avLst/>
+          </a:prstGeom>
+        </p:spPr>
+        <p:txBody>
+          <a:bodyPr anchorCtr="0" anchor="b" bIns="91425" lIns="91425" spcFirstLastPara="1" rIns="91425" wrap="square" tIns="91425">
+            <a:normAutofit/>
+          </a:bodyPr>
+          <a:lstStyle/>
+          <a:p>
+            <a:pPr indent="0" lvl="0" marL="0" rtl="0" algn="l">
+              <a:spcBef>
+                <a:spcPts val="0"/>
+              </a:spcBef>
+              <a:spcAft>
+                <a:spcPts val="0"/>
+              </a:spcAft>
+              <a:buNone/>
+            </a:pPr>
+            <a:r>
+              <a:rPr lang="es-419" sz="3400">
+                <a:solidFill>
+                  <a:schemeClr val="lt1"/>
+                </a:solidFill>
+                <a:latin typeface="Roboto Mono SemiBold"/>
+                <a:ea typeface="Roboto Mono SemiBold"/>
+                <a:cs typeface="Roboto Mono SemiBold"/>
+                <a:sym typeface="Roboto Mono SemiBold"/>
+              </a:rPr>
+              <a:t>TECHNOLOGIES</a:t>
+            </a:r>
+            <a:endParaRPr sz="3400">
+              <a:solidFill>
+                <a:schemeClr val="lt1"/>
+              </a:solidFill>
+              <a:latin typeface="Roboto Mono SemiBold"/>
+              <a:ea typeface="Roboto Mono SemiBold"/>
+              <a:cs typeface="Roboto Mono SemiBold"/>
+              <a:sym typeface="Roboto Mono SemiBold"/>
+            </a:endParaRPr>
+          </a:p>
+        </p:txBody>
+      </p:sp>
+      <p:pic>
+        <p:nvPicPr>
+          <p:cNvPr id="122" name="Google Shape;122;p21"/>
+          <p:cNvPicPr preferRelativeResize="0"/>
+          <p:nvPr/>
+        </p:nvPicPr>
+        <p:blipFill rotWithShape="1">
+          <a:blip r:embed="rId3">
+            <a:alphaModFix/>
+          </a:blip>
+          <a:srcRect b="15846" l="0" r="0" t="20177"/>
+          <a:stretch/>
+        </p:blipFill>
+        <p:spPr>
+          <a:xfrm>
+            <a:off x="0" y="0"/>
+            <a:ext cx="9144000" cy="1542455"/>
+          </a:xfrm>
+          <a:prstGeom prst="rect">
+            <a:avLst/>
+          </a:prstGeom>
+          <a:noFill/>
+          <a:ln>
+            <a:noFill/>
+          </a:ln>
+        </p:spPr>
+      </p:pic>
+      <p:pic>
+        <p:nvPicPr>
+          <p:cNvPr id="123" name="Google Shape;123;p21"/>
+          <p:cNvPicPr preferRelativeResize="0"/>
+          <p:nvPr/>
+        </p:nvPicPr>
+        <p:blipFill>
+          <a:blip r:embed="rId4">
+            <a:alphaModFix/>
+          </a:blip>
+          <a:stretch>
+            <a:fillRect/>
+          </a:stretch>
+        </p:blipFill>
+        <p:spPr>
+          <a:xfrm>
+            <a:off x="389079" y="2776426"/>
+            <a:ext cx="2112600" cy="1097559"/>
+          </a:xfrm>
+          <a:prstGeom prst="rect">
+            <a:avLst/>
+          </a:prstGeom>
+          <a:noFill/>
+          <a:ln>
+            <a:noFill/>
+          </a:ln>
+        </p:spPr>
+      </p:pic>
+      <p:pic>
+        <p:nvPicPr>
+          <p:cNvPr id="124" name="Google Shape;124;p21"/>
+          <p:cNvPicPr preferRelativeResize="0"/>
+          <p:nvPr/>
+        </p:nvPicPr>
+        <p:blipFill>
+          <a:blip r:embed="rId5">
+            <a:alphaModFix/>
+          </a:blip>
+          <a:stretch>
+            <a:fillRect/>
+          </a:stretch>
+        </p:blipFill>
+        <p:spPr>
+          <a:xfrm>
+            <a:off x="389075" y="4767130"/>
+            <a:ext cx="1630925" cy="1630925"/>
+          </a:xfrm>
+          <a:prstGeom prst="rect">
+            <a:avLst/>
+          </a:prstGeom>
+          <a:noFill/>
+          <a:ln>
+            <a:noFill/>
+          </a:ln>
+        </p:spPr>
+      </p:pic>
+      <p:pic>
+        <p:nvPicPr>
+          <p:cNvPr id="125" name="Google Shape;125;p21"/>
+          <p:cNvPicPr preferRelativeResize="0"/>
+          <p:nvPr/>
+        </p:nvPicPr>
+        <p:blipFill>
+          <a:blip r:embed="rId6">
+            <a:alphaModFix/>
+          </a:blip>
+          <a:stretch>
+            <a:fillRect/>
+          </a:stretch>
+        </p:blipFill>
+        <p:spPr>
+          <a:xfrm>
+            <a:off x="7002025" y="2913049"/>
+            <a:ext cx="1797475" cy="1854075"/>
+          </a:xfrm>
+          <a:prstGeom prst="rect">
+            <a:avLst/>
+          </a:prstGeom>
+          <a:noFill/>
+          <a:ln>
+            <a:noFill/>
+          </a:ln>
+        </p:spPr>
+      </p:pic>
+      <p:pic>
+        <p:nvPicPr>
+          <p:cNvPr id="126" name="Google Shape;126;p21"/>
+          <p:cNvPicPr preferRelativeResize="0"/>
+          <p:nvPr/>
+        </p:nvPicPr>
+        <p:blipFill>
+          <a:blip r:embed="rId7">
+            <a:alphaModFix/>
+          </a:blip>
+          <a:stretch>
+            <a:fillRect/>
+          </a:stretch>
+        </p:blipFill>
+        <p:spPr>
+          <a:xfrm>
+            <a:off x="4322450" y="2894427"/>
+            <a:ext cx="2335250" cy="1400225"/>
+          </a:xfrm>
+          <a:prstGeom prst="rect">
+            <a:avLst/>
+          </a:prstGeom>
+          <a:noFill/>
+          <a:ln>
+            <a:noFill/>
+          </a:ln>
+        </p:spPr>
+      </p:pic>
+      <p:pic>
+        <p:nvPicPr>
+          <p:cNvPr id="127" name="Google Shape;127;p21"/>
+          <p:cNvPicPr preferRelativeResize="0"/>
+          <p:nvPr/>
+        </p:nvPicPr>
+        <p:blipFill>
+          <a:blip r:embed="rId8">
+            <a:alphaModFix/>
+          </a:blip>
+          <a:stretch>
+            <a:fillRect/>
+          </a:stretch>
+        </p:blipFill>
+        <p:spPr>
+          <a:xfrm>
+            <a:off x="1716275" y="4584368"/>
+            <a:ext cx="3239650" cy="1996450"/>
+          </a:xfrm>
+          <a:prstGeom prst="rect">
+            <a:avLst/>
+          </a:prstGeom>
+          <a:noFill/>
+          <a:ln>
+            <a:noFill/>
+          </a:ln>
+        </p:spPr>
+      </p:pic>
+      <p:pic>
+        <p:nvPicPr>
+          <p:cNvPr id="128" name="Google Shape;128;p21"/>
+          <p:cNvPicPr preferRelativeResize="0"/>
+          <p:nvPr/>
+        </p:nvPicPr>
+        <p:blipFill>
+          <a:blip r:embed="rId9">
+            <a:alphaModFix/>
+          </a:blip>
+          <a:stretch>
+            <a:fillRect/>
+          </a:stretch>
+        </p:blipFill>
+        <p:spPr>
+          <a:xfrm>
+            <a:off x="4423975" y="1729527"/>
+            <a:ext cx="1625325" cy="875175"/>
+          </a:xfrm>
+          <a:prstGeom prst="rect">
+            <a:avLst/>
+          </a:prstGeom>
+          <a:noFill/>
+          <a:ln>
+            <a:noFill/>
+          </a:ln>
+        </p:spPr>
+      </p:pic>
+      <p:pic>
+        <p:nvPicPr>
+          <p:cNvPr id="129" name="Google Shape;129;p21"/>
+          <p:cNvPicPr preferRelativeResize="0"/>
+          <p:nvPr/>
+        </p:nvPicPr>
+        <p:blipFill>
+          <a:blip r:embed="rId10">
+            <a:alphaModFix/>
+          </a:blip>
+          <a:stretch>
+            <a:fillRect/>
+          </a:stretch>
+        </p:blipFill>
+        <p:spPr>
+          <a:xfrm>
+            <a:off x="6578900" y="1581332"/>
+            <a:ext cx="1095375" cy="1171575"/>
+          </a:xfrm>
+          <a:prstGeom prst="rect">
+            <a:avLst/>
+          </a:prstGeom>
+          <a:noFill/>
+          <a:ln>
+            <a:noFill/>
+          </a:ln>
+        </p:spPr>
+      </p:pic>
+      <p:pic>
+        <p:nvPicPr>
+          <p:cNvPr id="130" name="Google Shape;130;p21"/>
+          <p:cNvPicPr preferRelativeResize="0"/>
+          <p:nvPr/>
+        </p:nvPicPr>
+        <p:blipFill>
+          <a:blip r:embed="rId11">
+            <a:alphaModFix/>
+          </a:blip>
+          <a:stretch>
+            <a:fillRect/>
+          </a:stretch>
+        </p:blipFill>
+        <p:spPr>
+          <a:xfrm>
+            <a:off x="4572000" y="4584375"/>
+            <a:ext cx="3094925" cy="1251275"/>
+          </a:xfrm>
+          <a:prstGeom prst="rect">
+            <a:avLst/>
+          </a:prstGeom>
+          <a:noFill/>
+          <a:ln>
+            <a:noFill/>
+          </a:ln>
+        </p:spPr>
+      </p:pic>
+      <p:pic>
+        <p:nvPicPr>
+          <p:cNvPr id="131" name="Google Shape;131;p21"/>
+          <p:cNvPicPr preferRelativeResize="0"/>
+          <p:nvPr/>
+        </p:nvPicPr>
+        <p:blipFill>
+          <a:blip r:embed="rId12">
+            <a:alphaModFix/>
+          </a:blip>
+          <a:stretch>
+            <a:fillRect/>
+          </a:stretch>
+        </p:blipFill>
+        <p:spPr>
+          <a:xfrm>
+            <a:off x="1868677" y="4003625"/>
+            <a:ext cx="1951173" cy="763500"/>
+          </a:xfrm>
+          <a:prstGeom prst="rect">
+            <a:avLst/>
+          </a:prstGeom>
+          <a:noFill/>
+          <a:ln>
+            <a:noFill/>
+          </a:ln>
+        </p:spPr>
+      </p:pic>
+      <p:pic>
+        <p:nvPicPr>
+          <p:cNvPr id="132" name="Google Shape;132;p21"/>
+          <p:cNvPicPr preferRelativeResize="0"/>
+          <p:nvPr/>
+        </p:nvPicPr>
+        <p:blipFill>
+          <a:blip r:embed="rId13">
+            <a:alphaModFix/>
+          </a:blip>
+          <a:stretch>
+            <a:fillRect/>
+          </a:stretch>
+        </p:blipFill>
+        <p:spPr>
+          <a:xfrm>
+            <a:off x="311700" y="4035736"/>
+            <a:ext cx="1362851" cy="569626"/>
+          </a:xfrm>
+          <a:prstGeom prst="rect">
+            <a:avLst/>
+          </a:prstGeom>
+          <a:noFill/>
+          <a:ln>
+            <a:noFill/>
+          </a:ln>
+        </p:spPr>
+      </p:pic>
+      <p:pic>
+        <p:nvPicPr>
+          <p:cNvPr id="133" name="Google Shape;133;p21"/>
+          <p:cNvPicPr preferRelativeResize="0"/>
+          <p:nvPr/>
+        </p:nvPicPr>
+        <p:blipFill>
+          <a:blip r:embed="rId14">
+            <a:alphaModFix/>
+          </a:blip>
+          <a:stretch>
+            <a:fillRect/>
+          </a:stretch>
+        </p:blipFill>
+        <p:spPr>
+          <a:xfrm>
+            <a:off x="4955922" y="5698998"/>
+            <a:ext cx="3632653" cy="763500"/>
+          </a:xfrm>
+          <a:prstGeom prst="rect">
+            <a:avLst/>
+          </a:prstGeom>
+          <a:noFill/>
+          <a:ln>
+            <a:noFill/>
+          </a:ln>
+        </p:spPr>
+      </p:pic>
+      <p:pic>
+        <p:nvPicPr>
+          <p:cNvPr id="134" name="Google Shape;134;p21"/>
+          <p:cNvPicPr preferRelativeResize="0"/>
+          <p:nvPr/>
+        </p:nvPicPr>
+        <p:blipFill>
+          <a:blip r:embed="rId15">
+            <a:alphaModFix/>
+          </a:blip>
+          <a:stretch>
+            <a:fillRect/>
+          </a:stretch>
+        </p:blipFill>
+        <p:spPr>
+          <a:xfrm>
+            <a:off x="2965875" y="2493025"/>
+            <a:ext cx="1041100" cy="1041100"/>
+          </a:xfrm>
+          <a:prstGeom prst="rect">
+            <a:avLst/>
+          </a:prstGeom>
+          <a:noFill/>
+          <a:ln>
+            <a:noFill/>
+          </a:ln>
+        </p:spPr>
+      </p:pic>
+    </p:spTree>
+  </p:cSld>
+  <p:clrMapOvr>
+    <a:masterClrMapping/>
+  </p:clrMapOvr>
+  <p:timing>
+    <p:tnLst>
+      <p:par>
+        <p:cTn dur="indefinite" nodeType="tmRoot" restart="never">
+          <p:childTnLst>
+            <p:seq concurrent="1" nextAc="seek">
+              <p:cTn dur="indefinite" id="2" nodeType="mainSeq">
+                <p:childTnLst>
+                  <p:par>
+                    <p:cTn fill="hold">
+                      <p:stCondLst>
+                        <p:cond delay="indefinite"/>
+                      </p:stCondLst>
+                      <p:childTnLst>
+                        <p:par>
+                          <p:cTn fill="hold">
+                            <p:stCondLst>
+                              <p:cond delay="0"/>
+                            </p:stCondLst>
+                            <p:childTnLst>
+                              <p:par>
+                                <p:cTn fill="hold" nodeType="clickEffect" presetClass="entr" presetID="10" presetSubtype="0">
+                                  <p:stCondLst>
+                                    <p:cond delay="0"/>
+                                  </p:stCondLst>
+                                  <p:childTnLst>
+                                    <p:set>
+                                      <p:cBhvr>
+                                        <p:cTn dur="1" fill="hold">
+                                          <p:stCondLst>
+                                            <p:cond delay="0"/>
+                                          </p:stCondLst>
+                                        </p:cTn>
+                                        <p:tgtEl>
+                                          <p:spTgt spid="124"/>
+                                        </p:tgtEl>
+                                        <p:attrNameLst>
+                                          <p:attrName>style.visibility</p:attrName>
+                                        </p:attrNameLst>
+                                      </p:cBhvr>
+                                      <p:to>
+                                        <p:strVal val="visible"/>
+                                      </p:to>
+                                    </p:set>
+                                    <p:animEffect filter="fade" transition="in">
+                                      <p:cBhvr>
+                                        <p:cTn dur="1000"/>
+                                        <p:tgtEl>
+                                          <p:spTgt spid="124"/>
+                                        </p:tgtEl>
+                                      </p:cBhvr>
+                                    </p:animEffect>
+                                  </p:childTnLst>
+                                </p:cTn>
+                              </p:par>
+                              <p:par>
+                                <p:cTn fill="hold" nodeType="withEffect" presetClass="entr" presetID="10" presetSubtype="0">
+                                  <p:stCondLst>
+                                    <p:cond delay="0"/>
+                                  </p:stCondLst>
+                                  <p:childTnLst>
+                                    <p:set>
+                                      <p:cBhvr>
+                                        <p:cTn dur="1" fill="hold">
+                                          <p:stCondLst>
+                                            <p:cond delay="0"/>
+                                          </p:stCondLst>
+                                        </p:cTn>
+                                        <p:tgtEl>
+                                          <p:spTgt spid="127"/>
+                                        </p:tgtEl>
+                                        <p:attrNameLst>
+                                          <p:attrName>style.visibility</p:attrName>
+                                        </p:attrNameLst>
+                                      </p:cBhvr>
+                                      <p:to>
+                                        <p:strVal val="visible"/>
+                                      </p:to>
+                                    </p:set>
+                                    <p:animEffect filter="fade" transition="in">
+                                      <p:cBhvr>
+                                        <p:cTn dur="1000"/>
+                                        <p:tgtEl>
+                                          <p:spTgt spid="127"/>
+                                        </p:tgtEl>
+                                      </p:cBhvr>
+                                    </p:animEffect>
+                                  </p:childTnLst>
+                                </p:cTn>
+                              </p:par>
+                              <p:par>
+                                <p:cTn fill="hold" nodeType="withEffect" presetClass="entr" presetID="10" presetSubtype="0">
+                                  <p:stCondLst>
+                                    <p:cond delay="0"/>
+                                  </p:stCondLst>
+                                  <p:childTnLst>
+                                    <p:set>
+                                      <p:cBhvr>
+                                        <p:cTn dur="1" fill="hold">
+                                          <p:stCondLst>
+                                            <p:cond delay="0"/>
+                                          </p:stCondLst>
+                                        </p:cTn>
+                                        <p:tgtEl>
+                                          <p:spTgt spid="125"/>
+                                        </p:tgtEl>
+                                        <p:attrNameLst>
+                                          <p:attrName>style.visibility</p:attrName>
+                                        </p:attrNameLst>
+                                      </p:cBhvr>
+                                      <p:to>
+                                        <p:strVal val="visible"/>
+                                      </p:to>
+                                    </p:set>
+                                    <p:animEffect filter="fade" transition="in">
+                                      <p:cBhvr>
+                                        <p:cTn dur="1000"/>
+                                        <p:tgtEl>
+                                          <p:spTgt spid="125"/>
+                                        </p:tgtEl>
+                                      </p:cBhvr>
+                                    </p:animEffect>
+                                  </p:childTnLst>
+                                </p:cTn>
+                              </p:par>
+                            </p:childTnLst>
+                          </p:cTn>
+                        </p:par>
+                      </p:childTnLst>
+                    </p:cTn>
+                  </p:par>
+                </p:childTnLst>
+              </p:cTn>
+              <p:prevCondLst>
+                <p:cond evt="onPrev">
+                  <p:tgtEl>
+                    <p:sldTgt/>
+                  </p:tgtEl>
+                </p:cond>
+              </p:prevCondLst>
+              <p:nextCondLst>
+                <p:cond evt="onNext">
+                  <p:tgtEl>
+                    <p:sldTgt/>
+                  </p:tgtEl>
+                </p:cond>
+              </p:nextCondLst>
+            </p:seq>
+          </p:childTnLst>
+        </p:cTn>
+      </p:par>
+    </p:tnLst>
+  </p:timing>
+</p:sld>
+</file>
+
 <file path=ppt/theme/theme1.xml><?xml version="1.0" encoding="utf-8"?>
+<a:theme xmlns:a="http://schemas.openxmlformats.org/drawingml/2006/main" xmlns:r="http://schemas.openxmlformats.org/officeDocument/2006/relationships">
+  <a:themeElements>
+    <a:clrScheme name="Default">
+      <a:dk1>
+        <a:srgbClr val="000000"/>
+      </a:dk1>
+      <a:lt1>
+        <a:srgbClr val="FFFFFF"/>
+      </a:lt1>
+      <a:dk2>
+        <a:srgbClr val="158158"/>
+      </a:dk2>
+      <a:lt2>
+        <a:srgbClr val="F3F3F3"/>
+      </a:lt2>
+      <a:accent1>
+        <a:srgbClr val="058DC7"/>
+      </a:accent1>
+      <a:accent2>
+        <a:srgbClr val="50B432"/>
+      </a:accent2>
+      <a:accent3>
+        <a:srgbClr val="ED561B"/>
+      </a:accent3>
+      <a:accent4>
+        <a:srgbClr val="EDEF00"/>
+      </a:accent4>
+      <a:accent5>
+        <a:srgbClr val="24CBE5"/>
+      </a:accent5>
+      <a:accent6>
+        <a:srgbClr val="64E572"/>
+      </a:accent6>
+      <a:hlink>
+        <a:srgbClr val="2200CC"/>
+      </a:hlink>
+      <a:folHlink>
+        <a:srgbClr val="551A8B"/>
+      </a:folHlink>
+    </a:clrScheme>
+    <a:fontScheme name="Office">
+      <a:majorFont>
+        <a:latin typeface="Arial"/>
+        <a:ea typeface=""/>
+        <a:cs typeface=""/>
+        <a:font script="Jpan" typeface="ＭＳ Ｐゴシック"/>
+        <a:font script="Hang" typeface="맑은 고딕"/>
+        <a:font script="Hans" typeface="宋体"/>
+        <a:font script="Hant" typeface="新細明體"/>
+        <a:font script="Arab" typeface="Times New Roman"/>
+        <a:font script="Hebr" typeface="Times New Roman"/>
+        <a:font script="Thai" typeface="Angsana New"/>
+        <a:font script="Ethi" typeface="Nyala"/>
+        <a:font script="Beng" typeface="Vrinda"/>
+        <a:font script="Gujr" typeface="Shruti"/>
+        <a:font script="Khmr" typeface="MoolBoran"/>
+        <a:font script="Knda" typeface="Tunga"/>
+        <a:font script="Guru" typeface="Raavi"/>
+        <a:font script="Cans" typeface="Euphemia"/>
+        <a:font script="Cher" typeface="Plantagenet Cherokee"/>
+        <a:font script="Yiii" typeface="Microsoft Yi Baiti"/>
+        <a:font script="Tibt" typeface="Microsoft Himalaya"/>
+        <a:font script="Thaa" typeface="MV Boli"/>
+        <a:font script="Deva" typeface="Mangal"/>
+        <a:font script="Telu" typeface="Gautami"/>
+        <a:font script="Taml" typeface="Latha"/>
+        <a:font script="Syrc" typeface="Estrangelo Edessa"/>
+        <a:font script="Orya" typeface="Kalinga"/>
+        <a:font script="Mlym" typeface="Kartika"/>
+        <a:font script="Laoo" typeface="DokChampa"/>
+        <a:font script="Sinh" typeface="Iskoola Pota"/>
+        <a:font script="Mong" typeface="Mongolian Baiti"/>
+        <a:font script="Viet" typeface="Times New Roman"/>
+        <a:font script="Uigh" typeface="Microsoft Uighur"/>
+        <a:font script="Geor" typeface="Sylfaen"/>
+      </a:majorFont>
+      <a:minorFont>
+        <a:latin typeface="Arial"/>
+        <a:ea typeface=""/>
+        <a:cs typeface=""/>
+        <a:font script="Jpan" typeface="ＭＳ Ｐゴシック"/>
+        <a:font script="Hang" typeface="맑은 고딕"/>
+        <a:font script="Hans" typeface="宋体"/>
+        <a:font script="Hant" typeface="新細明體"/>
+        <a:font script="Arab" typeface="Arial"/>
+        <a:font script="Hebr" typeface="Arial"/>
+        <a:font script="Thai" typeface="Cordia New"/>
+        <a:font script="Ethi" typeface="Nyala"/>
+        <a:font script="Beng" typeface="Vrinda"/>
+        <a:font script="Gujr" typeface="Shruti"/>
+        <a:font script="Khmr" typeface="DaunPenh"/>
+        <a:font script="Knda" typeface="Tunga"/>
+        <a:font script="Guru" typeface="Raavi"/>
+        <a:font script="Cans" typeface="Euphemia"/>
+        <a:font script="Cher" typeface="Plantagenet Cherokee"/>
+        <a:font script="Yiii" typeface="Microsoft Yi Baiti"/>
+        <a:font script="Tibt" typeface="Microsoft Himalaya"/>
+        <a:font script="Thaa" typeface="MV Boli"/>
+        <a:font script="Deva" typeface="Mangal"/>
+        <a:font script="Telu" typeface="Gautami"/>
+        <a:font script="Taml" typeface="Latha"/>
+        <a:font script="Syrc" typeface="Estrangelo Edessa"/>
+        <a:font script="Orya" typeface="Kalinga"/>
+        <a:font script="Mlym" typeface="Kartika"/>
+        <a:font script="Laoo" typeface="DokChampa"/>
+        <a:font script="Sinh" typeface="Iskoola Pota"/>
+        <a:font script="Mong" typeface="Mongolian Baiti"/>
+        <a:font script="Viet" typeface="Arial"/>
+        <a:font script="Uigh" typeface="Microsoft Uighur"/>
+        <a:font script="Geor" typeface="Sylfaen"/>
+      </a:minorFont>
+    </a:fontScheme>
+    <a:fmtScheme name="Office">
+      <a:fillStyleLst>
+        <a:solidFill>
+          <a:schemeClr val="phClr"/>
+        </a:solidFill>
+        <a:gradFill rotWithShape="1">
+          <a:gsLst>
+            <a:gs pos="0">
+              <a:schemeClr val="phClr">
+                <a:tint val="50000"/>
+                <a:satMod val="300000"/>
+              </a:schemeClr>
+            </a:gs>
+            <a:gs pos="35000">
+              <a:schemeClr val="phClr">
+                <a:tint val="37000"/>
+                <a:satMod val="300000"/>
+              </a:schemeClr>
+            </a:gs>
+            <a:gs pos="100000">
+              <a:schemeClr val="phClr">
+                <a:tint val="15000"/>
+                <a:satMod val="350000"/>
+              </a:schemeClr>
+            </a:gs>
+          </a:gsLst>
+          <a:lin ang="16200000" scaled="1"/>
+        </a:gradFill>
+        <a:gradFill rotWithShape="1">
+          <a:gsLst>
+            <a:gs pos="0">
+              <a:schemeClr val="phClr">
+                <a:tint val="100000"/>
+                <a:shade val="100000"/>
+                <a:satMod val="130000"/>
+              </a:schemeClr>
+            </a:gs>
+            <a:gs pos="100000">
+              <a:schemeClr val="phClr">
+                <a:tint val="50000"/>
+                <a:shade val="100000"/>
+                <a:satMod val="350000"/>
+              </a:schemeClr>
+            </a:gs>
+          </a:gsLst>
+          <a:lin ang="16200000" scaled="0"/>
+        </a:gradFill>
+      </a:fillStyleLst>
+      <a:lnStyleLst>
+        <a:ln w="9525" cap="flat" cmpd="sng" algn="ctr">
+          <a:solidFill>
+            <a:schemeClr val="phClr">
+              <a:shade val="95000"/>
+              <a:satMod val="105000"/>
+            </a:schemeClr>
+          </a:solidFill>
+          <a:prstDash val="solid"/>
+        </a:ln>
+        <a:ln w="25400" cap="flat" cmpd="sng" algn="ctr">
+          <a:solidFill>
+            <a:schemeClr val="phClr"/>
+          </a:solidFill>
+          <a:prstDash val="solid"/>
+        </a:ln>
+        <a:ln w="38100" cap="flat" cmpd="sng" algn="ctr">
+          <a:solidFill>
+            <a:schemeClr val="phClr"/>
+          </a:solidFill>
+          <a:prstDash val="solid"/>
+        </a:ln>
+      </a:lnStyleLst>
+      <a:effectStyleLst>
+        <a:effectStyle>
+          <a:effectLst>
+            <a:outerShdw blurRad="40000" dist="20000" dir="5400000" rotWithShape="0">
+              <a:srgbClr val="000000">
+                <a:alpha val="38000"/>
+              </a:srgbClr>
+            </a:outerShdw>
+          </a:effectLst>
+        </a:effectStyle>
+        <a:effectStyle>
+          <a:effectLst>
+            <a:outerShdw blurRad="40000" dist="23000" dir="5400000" rotWithShape="0">
+              <a:srgbClr val="000000">
+                <a:alpha val="35000"/>
+              </a:srgbClr>
+            </a:outerShdw>
+          </a:effectLst>
+        </a:effectStyle>
+        <a:effectStyle>
+          <a:effectLst>
+            <a:outerShdw blurRad="40000" dist="23000" dir="5400000" rotWithShape="0">
+              <a:srgbClr val="000000">
+                <a:alpha val="35000"/>
+              </a:srgbClr>
+            </a:outerShdw>
+          </a:effectLst>
+          <a:scene3d>
+            <a:camera prst="orthographicFront">
+              <a:rot lat="0" lon="0" rev="0"/>
+            </a:camera>
+            <a:lightRig rig="threePt" dir="t">
+              <a:rot lat="0" lon="0" rev="1200000"/>
+            </a:lightRig>
+          </a:scene3d>
+          <a:sp3d>
+            <a:bevelT w="63500" h="25400"/>
+          </a:sp3d>
+        </a:effectStyle>
+      </a:effectStyleLst>
+      <a:bgFillStyleLst>
+        <a:solidFill>
+          <a:schemeClr val="phClr"/>
+        </a:solidFill>
+        <a:gradFill rotWithShape="1">
+          <a:gsLst>
+            <a:gs pos="0">
+              <a:schemeClr val="phClr">
+                <a:tint val="40000"/>
+                <a:satMod val="350000"/>
+              </a:schemeClr>
+            </a:gs>
+            <a:gs pos="40000">
+              <a:schemeClr val="phClr">
+                <a:tint val="45000"/>
+                <a:shade val="99000"/>
+                <a:satMod val="350000"/>
+              </a:schemeClr>
+            </a:gs>
+            <a:gs pos="100000">
+              <a:schemeClr val="phClr">
+                <a:shade val="20000"/>
+                <a:satMod val="255000"/>
+              </a:schemeClr>
+            </a:gs>
+          </a:gsLst>
+          <a:path path="circle">
+            <a:fillToRect l="50000" t="-80000" r="50000" b="180000"/>
+          </a:path>
+        </a:gradFill>
+        <a:gradFill rotWithShape="1">
+          <a:gsLst>
+            <a:gs pos="0">
+              <a:schemeClr val="phClr">
+                <a:tint val="80000"/>
+                <a:satMod val="300000"/>
+              </a:schemeClr>
+            </a:gs>
+            <a:gs pos="100000">
+              <a:schemeClr val="phClr">
+                <a:shade val="30000"/>
+                <a:satMod val="200000"/>
+              </a:schemeClr>
+            </a:gs>
+          </a:gsLst>
+          <a:path path="circle">
+            <a:fillToRect l="50000" t="50000" r="50000" b="50000"/>
+          </a:path>
+        </a:gradFill>
+      </a:bgFillStyleLst>
+    </a:fmtScheme>
+  </a:themeElements>
+</a:theme>
+</file>
+
+<file path=ppt/theme/theme2.xml><?xml version="1.0" encoding="utf-8"?>
 <a:theme xmlns:a="http://schemas.openxmlformats.org/drawingml/2006/main" xmlns:r="http://schemas.openxmlformats.org/officeDocument/2006/relationships" name="Simple Light">
   <a:themeElements>
     <a:clrScheme name="Simple Light">
@@ -6933,283 +10159,4 @@
     </a:fmtScheme>
   </a:themeElements>
 </a:theme>
-</file>
-
-<file path=ppt/theme/theme2.xml><?xml version="1.0" encoding="utf-8"?>
-<a:theme xmlns:a="http://schemas.openxmlformats.org/drawingml/2006/main" xmlns:r="http://schemas.openxmlformats.org/officeDocument/2006/relationships">
-  <a:themeElements>
-    <a:clrScheme name="Default">
-      <a:dk1>
-        <a:srgbClr val="000000"/>
-      </a:dk1>
-      <a:lt1>
-        <a:srgbClr val="FFFFFF"/>
-      </a:lt1>
-      <a:dk2>
-        <a:srgbClr val="158158"/>
-      </a:dk2>
-      <a:lt2>
-        <a:srgbClr val="F3F3F3"/>
-      </a:lt2>
-      <a:accent1>
-        <a:srgbClr val="058DC7"/>
-      </a:accent1>
-      <a:accent2>
-        <a:srgbClr val="50B432"/>
-      </a:accent2>
-      <a:accent3>
-        <a:srgbClr val="ED561B"/>
-      </a:accent3>
-      <a:accent4>
-        <a:srgbClr val="EDEF00"/>
-      </a:accent4>
-      <a:accent5>
-        <a:srgbClr val="24CBE5"/>
-      </a:accent5>
-      <a:accent6>
-        <a:srgbClr val="64E572"/>
-      </a:accent6>
-      <a:hlink>
-        <a:srgbClr val="2200CC"/>
-      </a:hlink>
-      <a:folHlink>
-        <a:srgbClr val="551A8B"/>
-      </a:folHlink>
-    </a:clrScheme>
-    <a:fontScheme name="Office">
-      <a:majorFont>
-        <a:latin typeface="Arial"/>
-        <a:ea typeface=""/>
-        <a:cs typeface=""/>
-        <a:font script="Jpan" typeface="ＭＳ Ｐゴシック"/>
-        <a:font script="Hang" typeface="맑은 고딕"/>
-        <a:font script="Hans" typeface="宋体"/>
-        <a:font script="Hant" typeface="新細明體"/>
-        <a:font script="Arab" typeface="Times New Roman"/>
-        <a:font script="Hebr" typeface="Times New Roman"/>
-        <a:font script="Thai" typeface="Angsana New"/>
-        <a:font script="Ethi" typeface="Nyala"/>
-        <a:font script="Beng" typeface="Vrinda"/>
-        <a:font script="Gujr" typeface="Shruti"/>
-        <a:font script="Khmr" typeface="MoolBoran"/>
-        <a:font script="Knda" typeface="Tunga"/>
-        <a:font script="Guru" typeface="Raavi"/>
-        <a:font script="Cans" typeface="Euphemia"/>
-        <a:font script="Cher" typeface="Plantagenet Cherokee"/>
-        <a:font script="Yiii" typeface="Microsoft Yi Baiti"/>
-        <a:font script="Tibt" typeface="Microsoft Himalaya"/>
-        <a:font script="Thaa" typeface="MV Boli"/>
-        <a:font script="Deva" typeface="Mangal"/>
-        <a:font script="Telu" typeface="Gautami"/>
-        <a:font script="Taml" typeface="Latha"/>
-        <a:font script="Syrc" typeface="Estrangelo Edessa"/>
-        <a:font script="Orya" typeface="Kalinga"/>
-        <a:font script="Mlym" typeface="Kartika"/>
-        <a:font script="Laoo" typeface="DokChampa"/>
-        <a:font script="Sinh" typeface="Iskoola Pota"/>
-        <a:font script="Mong" typeface="Mongolian Baiti"/>
-        <a:font script="Viet" typeface="Times New Roman"/>
-        <a:font script="Uigh" typeface="Microsoft Uighur"/>
-        <a:font script="Geor" typeface="Sylfaen"/>
-      </a:majorFont>
-      <a:minorFont>
-        <a:latin typeface="Arial"/>
-        <a:ea typeface=""/>
-        <a:cs typeface=""/>
-        <a:font script="Jpan" typeface="ＭＳ Ｐゴシック"/>
-        <a:font script="Hang" typeface="맑은 고딕"/>
-        <a:font script="Hans" typeface="宋体"/>
-        <a:font script="Hant" typeface="新細明體"/>
-        <a:font script="Arab" typeface="Arial"/>
-        <a:font script="Hebr" typeface="Arial"/>
-        <a:font script="Thai" typeface="Cordia New"/>
-        <a:font script="Ethi" typeface="Nyala"/>
-        <a:font script="Beng" typeface="Vrinda"/>
-        <a:font script="Gujr" typeface="Shruti"/>
-        <a:font script="Khmr" typeface="DaunPenh"/>
-        <a:font script="Knda" typeface="Tunga"/>
-        <a:font script="Guru" typeface="Raavi"/>
-        <a:font script="Cans" typeface="Euphemia"/>
-        <a:font script="Cher" typeface="Plantagenet Cherokee"/>
-        <a:font script="Yiii" typeface="Microsoft Yi Baiti"/>
-        <a:font script="Tibt" typeface="Microsoft Himalaya"/>
-        <a:font script="Thaa" typeface="MV Boli"/>
-        <a:font script="Deva" typeface="Mangal"/>
-        <a:font script="Telu" typeface="Gautami"/>
-        <a:font script="Taml" typeface="Latha"/>
-        <a:font script="Syrc" typeface="Estrangelo Edessa"/>
-        <a:font script="Orya" typeface="Kalinga"/>
-        <a:font script="Mlym" typeface="Kartika"/>
-        <a:font script="Laoo" typeface="DokChampa"/>
-        <a:font script="Sinh" typeface="Iskoola Pota"/>
-        <a:font script="Mong" typeface="Mongolian Baiti"/>
-        <a:font script="Viet" typeface="Arial"/>
-        <a:font script="Uigh" typeface="Microsoft Uighur"/>
-        <a:font script="Geor" typeface="Sylfaen"/>
-      </a:minorFont>
-    </a:fontScheme>
-    <a:fmtScheme name="Office">
-      <a:fillStyleLst>
-        <a:solidFill>
-          <a:schemeClr val="phClr"/>
-        </a:solidFill>
-        <a:gradFill rotWithShape="1">
-          <a:gsLst>
-            <a:gs pos="0">
-              <a:schemeClr val="phClr">
-                <a:tint val="50000"/>
-                <a:satMod val="300000"/>
-              </a:schemeClr>
-            </a:gs>
-            <a:gs pos="35000">
-              <a:schemeClr val="phClr">
-                <a:tint val="37000"/>
-                <a:satMod val="300000"/>
-              </a:schemeClr>
-            </a:gs>
-            <a:gs pos="100000">
-              <a:schemeClr val="phClr">
-                <a:tint val="15000"/>
-                <a:satMod val="350000"/>
-              </a:schemeClr>
-            </a:gs>
-          </a:gsLst>
-          <a:lin ang="16200000" scaled="1"/>
-        </a:gradFill>
-        <a:gradFill rotWithShape="1">
-          <a:gsLst>
-            <a:gs pos="0">
-              <a:schemeClr val="phClr">
-                <a:tint val="100000"/>
-                <a:shade val="100000"/>
-                <a:satMod val="130000"/>
-              </a:schemeClr>
-            </a:gs>
-            <a:gs pos="100000">
-              <a:schemeClr val="phClr">
-                <a:tint val="50000"/>
-                <a:shade val="100000"/>
-                <a:satMod val="350000"/>
-              </a:schemeClr>
-            </a:gs>
-          </a:gsLst>
-          <a:lin ang="16200000" scaled="0"/>
-        </a:gradFill>
-      </a:fillStyleLst>
-      <a:lnStyleLst>
-        <a:ln w="9525" cap="flat" cmpd="sng" algn="ctr">
-          <a:solidFill>
-            <a:schemeClr val="phClr">
-              <a:shade val="95000"/>
-              <a:satMod val="105000"/>
-            </a:schemeClr>
-          </a:solidFill>
-          <a:prstDash val="solid"/>
-        </a:ln>
-        <a:ln w="25400" cap="flat" cmpd="sng" algn="ctr">
-          <a:solidFill>
-            <a:schemeClr val="phClr"/>
-          </a:solidFill>
-          <a:prstDash val="solid"/>
-        </a:ln>
-        <a:ln w="38100" cap="flat" cmpd="sng" algn="ctr">
-          <a:solidFill>
-            <a:schemeClr val="phClr"/>
-          </a:solidFill>
-          <a:prstDash val="solid"/>
-        </a:ln>
-      </a:lnStyleLst>
-      <a:effectStyleLst>
-        <a:effectStyle>
-          <a:effectLst>
-            <a:outerShdw blurRad="40000" dist="20000" dir="5400000" rotWithShape="0">
-              <a:srgbClr val="000000">
-                <a:alpha val="38000"/>
-              </a:srgbClr>
-            </a:outerShdw>
-          </a:effectLst>
-        </a:effectStyle>
-        <a:effectStyle>
-          <a:effectLst>
-            <a:outerShdw blurRad="40000" dist="23000" dir="5400000" rotWithShape="0">
-              <a:srgbClr val="000000">
-                <a:alpha val="35000"/>
-              </a:srgbClr>
-            </a:outerShdw>
-          </a:effectLst>
-        </a:effectStyle>
-        <a:effectStyle>
-          <a:effectLst>
-            <a:outerShdw blurRad="40000" dist="23000" dir="5400000" rotWithShape="0">
-              <a:srgbClr val="000000">
-                <a:alpha val="35000"/>
-              </a:srgbClr>
-            </a:outerShdw>
-          </a:effectLst>
-          <a:scene3d>
-            <a:camera prst="orthographicFront">
-              <a:rot lat="0" lon="0" rev="0"/>
-            </a:camera>
-            <a:lightRig rig="threePt" dir="t">
-              <a:rot lat="0" lon="0" rev="1200000"/>
-            </a:lightRig>
-          </a:scene3d>
-          <a:sp3d>
-            <a:bevelT w="63500" h="25400"/>
-          </a:sp3d>
-        </a:effectStyle>
-      </a:effectStyleLst>
-      <a:bgFillStyleLst>
-        <a:solidFill>
-          <a:schemeClr val="phClr"/>
-        </a:solidFill>
-        <a:gradFill rotWithShape="1">
-          <a:gsLst>
-            <a:gs pos="0">
-              <a:schemeClr val="phClr">
-                <a:tint val="40000"/>
-                <a:satMod val="350000"/>
-              </a:schemeClr>
-            </a:gs>
-            <a:gs pos="40000">
-              <a:schemeClr val="phClr">
-                <a:tint val="45000"/>
-                <a:shade val="99000"/>
-                <a:satMod val="350000"/>
-              </a:schemeClr>
-            </a:gs>
-            <a:gs pos="100000">
-              <a:schemeClr val="phClr">
-                <a:shade val="20000"/>
-                <a:satMod val="255000"/>
-              </a:schemeClr>
-            </a:gs>
-          </a:gsLst>
-          <a:path path="circle">
-            <a:fillToRect l="50000" t="-80000" r="50000" b="180000"/>
-          </a:path>
-        </a:gradFill>
-        <a:gradFill rotWithShape="1">
-          <a:gsLst>
-            <a:gs pos="0">
-              <a:schemeClr val="phClr">
-                <a:tint val="80000"/>
-                <a:satMod val="300000"/>
-              </a:schemeClr>
-            </a:gs>
-            <a:gs pos="100000">
-              <a:schemeClr val="phClr">
-                <a:shade val="30000"/>
-                <a:satMod val="200000"/>
-              </a:schemeClr>
-            </a:gs>
-          </a:gsLst>
-          <a:path path="circle">
-            <a:fillToRect l="50000" t="50000" r="50000" b="50000"/>
-          </a:path>
-        </a:gradFill>
-      </a:bgFillStyleLst>
-    </a:fmtScheme>
-  </a:themeElements>
-</a:theme>
 </file>